--- a/sict/day10/발표용.pptx
+++ b/sict/day10/발표용.pptx
@@ -205,7 +205,7 @@
           <a:p>
             <a:fld id="{ADD4BFFB-8D7B-4702-8998-B738045F896E}" type="datetimeFigureOut">
               <a:rPr lang="ko-KR" altLang="en-US" smtClean="0"/>
-              <a:t>2023-05-18</a:t>
+              <a:t>2023-05-19</a:t>
             </a:fld>
             <a:endParaRPr lang="ko-KR" altLang="en-US"/>
           </a:p>
@@ -538,11 +538,7 @@
             </a:r>
             <a:r>
               <a:rPr lang="ko-KR" altLang="en-US" dirty="0" smtClean="0"/>
-              <a:t> </a:t>
-            </a:r>
-            <a:r>
-              <a:rPr lang="ko-KR" altLang="en-US" dirty="0" smtClean="0"/>
-              <a:t>장준영입니다</a:t>
+              <a:t> 장준영입니다</a:t>
             </a:r>
             <a:r>
               <a:rPr lang="en-US" altLang="ko-KR" dirty="0" smtClean="0"/>
@@ -1997,7 +1993,7 @@
           <a:p>
             <a:fld id="{88D368EB-A79B-4F24-99AD-8B3003C33A9C}" type="datetimeFigureOut">
               <a:rPr lang="ko-KR" altLang="en-US" smtClean="0"/>
-              <a:t>2023-05-18</a:t>
+              <a:t>2023-05-19</a:t>
             </a:fld>
             <a:endParaRPr lang="ko-KR" altLang="en-US"/>
           </a:p>
@@ -2172,7 +2168,7 @@
           <a:p>
             <a:fld id="{88D368EB-A79B-4F24-99AD-8B3003C33A9C}" type="datetimeFigureOut">
               <a:rPr lang="ko-KR" altLang="en-US" smtClean="0"/>
-              <a:t>2023-05-18</a:t>
+              <a:t>2023-05-19</a:t>
             </a:fld>
             <a:endParaRPr lang="ko-KR" altLang="en-US"/>
           </a:p>
@@ -2550,7 +2546,7 @@
           <a:p>
             <a:fld id="{88D368EB-A79B-4F24-99AD-8B3003C33A9C}" type="datetimeFigureOut">
               <a:rPr lang="ko-KR" altLang="en-US" smtClean="0"/>
-              <a:t>2023-05-18</a:t>
+              <a:t>2023-05-19</a:t>
             </a:fld>
             <a:endParaRPr lang="ko-KR" altLang="en-US"/>
           </a:p>
@@ -2720,7 +2716,7 @@
           <a:p>
             <a:fld id="{88D368EB-A79B-4F24-99AD-8B3003C33A9C}" type="datetimeFigureOut">
               <a:rPr lang="ko-KR" altLang="en-US" smtClean="0"/>
-              <a:t>2023-05-18</a:t>
+              <a:t>2023-05-19</a:t>
             </a:fld>
             <a:endParaRPr lang="ko-KR" altLang="en-US"/>
           </a:p>
@@ -2947,7 +2943,7 @@
           <a:p>
             <a:fld id="{88D368EB-A79B-4F24-99AD-8B3003C33A9C}" type="datetimeFigureOut">
               <a:rPr lang="ko-KR" altLang="en-US" smtClean="0"/>
-              <a:t>2023-05-18</a:t>
+              <a:t>2023-05-19</a:t>
             </a:fld>
             <a:endParaRPr lang="ko-KR" altLang="en-US"/>
           </a:p>
@@ -3478,7 +3474,7 @@
           <a:p>
             <a:fld id="{88D368EB-A79B-4F24-99AD-8B3003C33A9C}" type="datetimeFigureOut">
               <a:rPr lang="ko-KR" altLang="en-US" smtClean="0"/>
-              <a:t>2023-05-18</a:t>
+              <a:t>2023-05-19</a:t>
             </a:fld>
             <a:endParaRPr lang="ko-KR" altLang="en-US"/>
           </a:p>
@@ -3974,7 +3970,7 @@
           <a:p>
             <a:fld id="{88D368EB-A79B-4F24-99AD-8B3003C33A9C}" type="datetimeFigureOut">
               <a:rPr lang="ko-KR" altLang="en-US" smtClean="0"/>
-              <a:t>2023-05-18</a:t>
+              <a:t>2023-05-19</a:t>
             </a:fld>
             <a:endParaRPr lang="ko-KR" altLang="en-US"/>
           </a:p>
@@ -4307,7 +4303,7 @@
           <a:p>
             <a:fld id="{88D368EB-A79B-4F24-99AD-8B3003C33A9C}" type="datetimeFigureOut">
               <a:rPr lang="ko-KR" altLang="en-US" smtClean="0"/>
-              <a:t>2023-05-18</a:t>
+              <a:t>2023-05-19</a:t>
             </a:fld>
             <a:endParaRPr lang="ko-KR" altLang="en-US"/>
           </a:p>
@@ -4696,7 +4692,7 @@
           <a:p>
             <a:fld id="{88D368EB-A79B-4F24-99AD-8B3003C33A9C}" type="datetimeFigureOut">
               <a:rPr lang="ko-KR" altLang="en-US" smtClean="0"/>
-              <a:t>2023-05-18</a:t>
+              <a:t>2023-05-19</a:t>
             </a:fld>
             <a:endParaRPr lang="ko-KR" altLang="en-US"/>
           </a:p>
@@ -4920,7 +4916,7 @@
           <a:p>
             <a:fld id="{88D368EB-A79B-4F24-99AD-8B3003C33A9C}" type="datetimeFigureOut">
               <a:rPr lang="ko-KR" altLang="en-US" smtClean="0"/>
-              <a:t>2023-05-18</a:t>
+              <a:t>2023-05-19</a:t>
             </a:fld>
             <a:endParaRPr lang="ko-KR" altLang="en-US"/>
           </a:p>
@@ -5279,7 +5275,7 @@
           <a:p>
             <a:fld id="{88D368EB-A79B-4F24-99AD-8B3003C33A9C}" type="datetimeFigureOut">
               <a:rPr lang="ko-KR" altLang="en-US" smtClean="0"/>
-              <a:t>2023-05-18</a:t>
+              <a:t>2023-05-19</a:t>
             </a:fld>
             <a:endParaRPr lang="ko-KR" altLang="en-US"/>
           </a:p>
@@ -5690,7 +5686,7 @@
           <a:p>
             <a:fld id="{88D368EB-A79B-4F24-99AD-8B3003C33A9C}" type="datetimeFigureOut">
               <a:rPr lang="ko-KR" altLang="en-US" smtClean="0"/>
-              <a:t>2023-05-18</a:t>
+              <a:t>2023-05-19</a:t>
             </a:fld>
             <a:endParaRPr lang="ko-KR" altLang="en-US"/>
           </a:p>
@@ -6241,18 +6237,42 @@
           <a:lstStyle/>
           <a:p>
             <a:r>
-              <a:rPr lang="ko-KR" altLang="en-US" sz="2400" b="1" dirty="0" smtClean="0"/>
+              <a:rPr lang="ko-KR" altLang="en-US" sz="2400" b="1" dirty="0" smtClean="0">
+                <a:solidFill>
+                  <a:schemeClr val="tx2">
+                    <a:lumMod val="75000"/>
+                  </a:schemeClr>
+                </a:solidFill>
+              </a:rPr>
               <a:t>자격증 시험 일정을 가져오는</a:t>
             </a:r>
             <a:r>
-              <a:rPr lang="en-US" altLang="ko-KR" sz="2400" b="1" dirty="0" smtClean="0"/>
+              <a:rPr lang="en-US" altLang="ko-KR" sz="2400" b="1" dirty="0" smtClean="0">
+                <a:solidFill>
+                  <a:schemeClr val="tx2">
+                    <a:lumMod val="75000"/>
+                  </a:schemeClr>
+                </a:solidFill>
+              </a:rPr>
               <a:t> </a:t>
             </a:r>
             <a:r>
-              <a:rPr lang="ko-KR" altLang="en-US" sz="2400" b="1" dirty="0" smtClean="0"/>
+              <a:rPr lang="ko-KR" altLang="en-US" sz="2400" b="1" dirty="0" smtClean="0">
+                <a:solidFill>
+                  <a:schemeClr val="tx2">
+                    <a:lumMod val="75000"/>
+                  </a:schemeClr>
+                </a:solidFill>
+              </a:rPr>
               <a:t>로봇 만들기</a:t>
             </a:r>
-            <a:endParaRPr lang="ko-KR" altLang="en-US" sz="2400" b="1" dirty="0"/>
+            <a:endParaRPr lang="ko-KR" altLang="en-US" sz="2400" b="1" dirty="0">
+              <a:solidFill>
+                <a:schemeClr val="tx2">
+                  <a:lumMod val="75000"/>
+                </a:schemeClr>
+              </a:solidFill>
+            </a:endParaRPr>
           </a:p>
         </p:txBody>
       </p:sp>
@@ -6432,33 +6452,11 @@
               <a:buAutoNum type="arabicPeriod"/>
             </a:pPr>
             <a:r>
-              <a:rPr lang="ko-KR" altLang="en-US" sz="2800" dirty="0" smtClean="0">
+              <a:rPr lang="ko-KR" altLang="en-US" sz="2800" smtClean="0">
                 <a:latin typeface="휴먼엑스포" panose="02030504000101010101" pitchFamily="18" charset="-127"/>
                 <a:ea typeface="휴먼엑스포" panose="02030504000101010101" pitchFamily="18" charset="-127"/>
               </a:rPr>
               <a:t>구현</a:t>
-            </a:r>
-            <a:endParaRPr lang="en-US" altLang="ko-KR" sz="2800" dirty="0">
-              <a:latin typeface="휴먼엑스포" panose="02030504000101010101" pitchFamily="18" charset="-127"/>
-              <a:ea typeface="휴먼엑스포" panose="02030504000101010101" pitchFamily="18" charset="-127"/>
-            </a:endParaRPr>
-          </a:p>
-          <a:p>
-            <a:pPr lvl="1">
-              <a:buClr>
-                <a:schemeClr val="accent3">
-                  <a:lumMod val="75000"/>
-                </a:schemeClr>
-              </a:buClr>
-              <a:buFont typeface="Wingdings" panose="05000000000000000000" pitchFamily="2" charset="2"/>
-              <a:buChar char="§"/>
-            </a:pPr>
-            <a:r>
-              <a:rPr lang="ko-KR" altLang="en-US" sz="2400" dirty="0" smtClean="0">
-                <a:latin typeface="나눔고딕" panose="020D0604000000000000" pitchFamily="50" charset="-127"/>
-                <a:ea typeface="나눔고딕" panose="020D0604000000000000" pitchFamily="50" charset="-127"/>
-              </a:rPr>
-              <a:t>순서도</a:t>
             </a:r>
             <a:endParaRPr lang="en-US" altLang="ko-KR" sz="2400" dirty="0" smtClean="0">
               <a:latin typeface="나눔고딕" panose="020D0604000000000000" pitchFamily="50" charset="-127"/>
@@ -7420,42 +7418,14 @@
                 <a:latin typeface="나눔고딕" panose="020D0604000000000000" pitchFamily="50" charset="-127"/>
                 <a:ea typeface="나눔고딕" panose="020D0604000000000000" pitchFamily="50" charset="-127"/>
               </a:rPr>
-              <a:t>Click Into </a:t>
-            </a:r>
-            <a:r>
-              <a:rPr lang="en-US" altLang="ko-KR" sz="1400" dirty="0" smtClean="0">
-                <a:latin typeface="나눔고딕" panose="020D0604000000000000" pitchFamily="50" charset="-127"/>
-                <a:ea typeface="나눔고딕" panose="020D0604000000000000" pitchFamily="50" charset="-127"/>
-              </a:rPr>
-              <a:t>Activity</a:t>
+              <a:t>Click Into Activity</a:t>
             </a:r>
             <a:r>
               <a:rPr lang="ko-KR" altLang="en-US" sz="1400" dirty="0" smtClean="0">
                 <a:latin typeface="나눔고딕" panose="020D0604000000000000" pitchFamily="50" charset="-127"/>
                 <a:ea typeface="나눔고딕" panose="020D0604000000000000" pitchFamily="50" charset="-127"/>
               </a:rPr>
-              <a:t>를 사용해 </a:t>
-            </a:r>
-            <a:r>
-              <a:rPr lang="ko-KR" altLang="en-US" sz="1400" dirty="0" smtClean="0">
-                <a:latin typeface="나눔고딕" panose="020D0604000000000000" pitchFamily="50" charset="-127"/>
-                <a:ea typeface="나눔고딕" panose="020D0604000000000000" pitchFamily="50" charset="-127"/>
-              </a:rPr>
-              <a:t>기사 자격증을 선택하고 </a:t>
-            </a:r>
-            <a:r>
-              <a:rPr lang="ko-KR" altLang="en-US" sz="1400" dirty="0" smtClean="0">
-                <a:latin typeface="나눔고딕" panose="020D0604000000000000" pitchFamily="50" charset="-127"/>
-                <a:ea typeface="나눔고딕" panose="020D0604000000000000" pitchFamily="50" charset="-127"/>
-              </a:rPr>
-              <a:t>데이터를 추출 하고자 하는 </a:t>
-            </a:r>
-            <a:r>
-              <a:rPr lang="ko-KR" altLang="en-US" sz="1400" dirty="0" smtClean="0">
-                <a:latin typeface="나눔고딕" panose="020D0604000000000000" pitchFamily="50" charset="-127"/>
-                <a:ea typeface="나눔고딕" panose="020D0604000000000000" pitchFamily="50" charset="-127"/>
-              </a:rPr>
-              <a:t>분야의 선택합니다</a:t>
+              <a:t>를 사용해 기사 자격증을 선택하고 데이터를 추출 하고자 하는 분야의 선택합니다</a:t>
             </a:r>
             <a:r>
               <a:rPr lang="en-US" altLang="ko-KR" sz="1400" dirty="0" smtClean="0">
@@ -9225,10 +9195,6 @@
               </a:rPr>
               <a:t>.</a:t>
             </a:r>
-            <a:endParaRPr lang="en-US" altLang="ko-KR" sz="1400" dirty="0" smtClean="0">
-              <a:latin typeface="나눔고딕" panose="020D0604000000000000" pitchFamily="50" charset="-127"/>
-              <a:ea typeface="나눔고딕" panose="020D0604000000000000" pitchFamily="50" charset="-127"/>
-            </a:endParaRPr>
           </a:p>
         </p:txBody>
       </p:sp>

--- a/sict/day10/발표용.pptx
+++ b/sict/day10/발표용.pptx
@@ -7418,14 +7418,35 @@
                 <a:latin typeface="나눔고딕" panose="020D0604000000000000" pitchFamily="50" charset="-127"/>
                 <a:ea typeface="나눔고딕" panose="020D0604000000000000" pitchFamily="50" charset="-127"/>
               </a:rPr>
-              <a:t>Click Into Activity</a:t>
+              <a:t>Click </a:t>
+            </a:r>
+            <a:r>
+              <a:rPr lang="en-US" altLang="ko-KR" sz="1400" dirty="0" smtClean="0">
+                <a:latin typeface="나눔고딕" panose="020D0604000000000000" pitchFamily="50" charset="-127"/>
+                <a:ea typeface="나눔고딕" panose="020D0604000000000000" pitchFamily="50" charset="-127"/>
+              </a:rPr>
+              <a:t>Activity</a:t>
             </a:r>
             <a:r>
               <a:rPr lang="ko-KR" altLang="en-US" sz="1400" dirty="0" smtClean="0">
                 <a:latin typeface="나눔고딕" panose="020D0604000000000000" pitchFamily="50" charset="-127"/>
                 <a:ea typeface="나눔고딕" panose="020D0604000000000000" pitchFamily="50" charset="-127"/>
               </a:rPr>
-              <a:t>를 사용해 기사 자격증을 선택하고 데이터를 추출 하고자 하는 분야의 선택합니다</a:t>
+              <a:t>를 사용해 기사 자격증을 선택하고 데이터를 추출 하고자 하는 </a:t>
+            </a:r>
+            <a:r>
+              <a:rPr lang="ko-KR" altLang="en-US" sz="1400" dirty="0" smtClean="0">
+                <a:latin typeface="나눔고딕" panose="020D0604000000000000" pitchFamily="50" charset="-127"/>
+                <a:ea typeface="나눔고딕" panose="020D0604000000000000" pitchFamily="50" charset="-127"/>
+              </a:rPr>
+              <a:t>직무 분야를 </a:t>
+            </a:r>
+            <a:r>
+              <a:rPr lang="ko-KR" altLang="en-US" sz="1400" dirty="0" smtClean="0">
+                <a:latin typeface="나눔고딕" panose="020D0604000000000000" pitchFamily="50" charset="-127"/>
+                <a:ea typeface="나눔고딕" panose="020D0604000000000000" pitchFamily="50" charset="-127"/>
+              </a:rPr>
+              <a:t>선택합니다</a:t>
             </a:r>
             <a:r>
               <a:rPr lang="en-US" altLang="ko-KR" sz="1400" dirty="0" smtClean="0">
@@ -8408,7 +8429,7 @@
         <p:spPr>
           <a:xfrm>
             <a:off x="747672" y="1857455"/>
-            <a:ext cx="3515360" cy="2677656"/>
+            <a:ext cx="4192076" cy="2031325"/>
           </a:xfrm>
           <a:prstGeom prst="rect">
             <a:avLst/>
@@ -8621,9 +8642,10 @@
             </a:pPr>
             <a:r>
               <a:rPr lang="ko-KR" altLang="en-US" dirty="0" smtClean="0">
-                <a:latin typeface="+mn-ea"/>
-              </a:rPr>
-              <a:t>브라우저 오픈 및 검색</a:t>
+                <a:latin typeface="Arial" panose="020B0604020202020204" pitchFamily="34" charset="0"/>
+                <a:cs typeface="Arial" panose="020B0604020202020204" pitchFamily="34" charset="0"/>
+              </a:rPr>
+              <a:t>자격증 시험 일정 수집</a:t>
             </a:r>
             <a:endParaRPr lang="ko-KR" altLang="en-US" dirty="0">
               <a:latin typeface="Arial" panose="020B0604020202020204" pitchFamily="34" charset="0"/>
@@ -9098,7 +9120,7 @@
         <p:spPr>
           <a:xfrm>
             <a:off x="747672" y="1857455"/>
-            <a:ext cx="3515360" cy="1708160"/>
+            <a:ext cx="4351102" cy="1384995"/>
           </a:xfrm>
           <a:prstGeom prst="rect">
             <a:avLst/>
@@ -9240,7 +9262,7 @@
               <a:rPr lang="ko-KR" altLang="en-US" dirty="0" smtClean="0">
                 <a:latin typeface="+mn-ea"/>
               </a:rPr>
-              <a:t>브라우저 오픈 및 검색</a:t>
+              <a:t>엑셀 취합</a:t>
             </a:r>
             <a:endParaRPr lang="ko-KR" altLang="en-US" dirty="0">
               <a:latin typeface="Arial" panose="020B0604020202020204" pitchFamily="34" charset="0"/>

--- a/sict/day10/발표용.pptx
+++ b/sict/day10/발표용.pptx
@@ -517,46 +517,38 @@
           <a:lstStyle/>
           <a:p>
             <a:r>
-              <a:rPr lang="ko-KR" altLang="en-US" dirty="0" smtClean="0"/>
+              <a:rPr lang="ko-KR" altLang="en-US" dirty="0"/>
               <a:t>안녕하세요</a:t>
             </a:r>
             <a:r>
-              <a:rPr lang="en-US" altLang="ko-KR" dirty="0" smtClean="0"/>
+              <a:rPr lang="en-US" altLang="ko-KR" dirty="0"/>
               <a:t>,</a:t>
             </a:r>
             <a:r>
-              <a:rPr lang="en-US" altLang="ko-KR" baseline="0" dirty="0" smtClean="0"/>
+              <a:rPr lang="en-US" altLang="ko-KR" baseline="0" dirty="0"/>
               <a:t> </a:t>
             </a:r>
             <a:r>
-              <a:rPr lang="en-US" altLang="ko-KR" baseline="0" dirty="0" err="1" smtClean="0"/>
+              <a:rPr lang="en-US" altLang="ko-KR" baseline="0" dirty="0" err="1"/>
               <a:t>rpa</a:t>
             </a:r>
             <a:r>
-              <a:rPr lang="ko-KR" altLang="en-US" baseline="0" dirty="0" smtClean="0"/>
+              <a:rPr lang="ko-KR" altLang="en-US" baseline="0" dirty="0"/>
               <a:t>교육생</a:t>
             </a:r>
             <a:r>
-              <a:rPr lang="ko-KR" altLang="en-US" dirty="0" smtClean="0"/>
+              <a:rPr lang="ko-KR" altLang="en-US" dirty="0"/>
               <a:t> 장준영입니다</a:t>
             </a:r>
             <a:r>
-              <a:rPr lang="en-US" altLang="ko-KR" dirty="0" smtClean="0"/>
+              <a:rPr lang="en-US" altLang="ko-KR" dirty="0"/>
               <a:t>.</a:t>
             </a:r>
           </a:p>
           <a:p>
             <a:r>
-              <a:rPr lang="ko-KR" altLang="en-US" dirty="0" smtClean="0"/>
-              <a:t>지금부터 제가 개발한 자동화 프로세스에 대한 </a:t>
-            </a:r>
-            <a:r>
               <a:rPr lang="ko-KR" altLang="en-US" dirty="0"/>
-              <a:t>발표를 </a:t>
-            </a:r>
-            <a:r>
-              <a:rPr lang="ko-KR" altLang="en-US" dirty="0" smtClean="0"/>
-              <a:t>시작하도록 하겠습니다</a:t>
+              <a:t>지금부터 제가 개발한 자동화 프로세스에 대한 발표를 시작하도록 하겠습니다</a:t>
             </a:r>
             <a:r>
               <a:rPr lang="en-US" altLang="ko-KR" dirty="0"/>
@@ -647,7 +639,7 @@
           <a:lstStyle/>
           <a:p>
             <a:r>
-              <a:rPr lang="ko-KR" altLang="en-US" dirty="0" smtClean="0"/>
+              <a:rPr lang="ko-KR" altLang="en-US" dirty="0"/>
               <a:t>순서는 개요</a:t>
             </a:r>
             <a:r>
@@ -655,20 +647,16 @@
               <a:t>, </a:t>
             </a:r>
             <a:r>
-              <a:rPr lang="ko-KR" altLang="en-US" dirty="0" smtClean="0"/>
+              <a:rPr lang="ko-KR" altLang="en-US" dirty="0"/>
               <a:t>구현</a:t>
             </a:r>
             <a:r>
-              <a:rPr lang="en-US" altLang="ko-KR" dirty="0" smtClean="0"/>
+              <a:rPr lang="en-US" altLang="ko-KR" dirty="0"/>
               <a:t>, </a:t>
             </a:r>
             <a:r>
-              <a:rPr lang="ko-KR" altLang="en-US" dirty="0" smtClean="0"/>
-              <a:t>시연 </a:t>
-            </a:r>
-            <a:r>
               <a:rPr lang="ko-KR" altLang="en-US" dirty="0"/>
-              <a:t>순으로 진행하도록 하겠습니다</a:t>
+              <a:t>시연 순으로 진행하도록 하겠습니다</a:t>
             </a:r>
             <a:r>
               <a:rPr lang="en-US" altLang="ko-KR" dirty="0"/>
@@ -760,35 +748,15 @@
           <a:p>
             <a:r>
               <a:rPr lang="ko-KR" altLang="en-US" dirty="0"/>
-              <a:t>저희 조의 프로젝트명은 </a:t>
-            </a:r>
-            <a:r>
-              <a:rPr lang="ko-KR" altLang="en-US" dirty="0" err="1" smtClean="0"/>
-              <a:t>더스킨샵이며</a:t>
-            </a:r>
-            <a:r>
-              <a:rPr lang="ko-KR" altLang="en-US" dirty="0" smtClean="0"/>
+              <a:t>저의 과제 주제는</a:t>
+            </a:r>
+            <a:r>
+              <a:rPr lang="en-US" altLang="ko-KR" dirty="0"/>
               <a:t> </a:t>
             </a:r>
             <a:r>
               <a:rPr lang="ko-KR" altLang="en-US" dirty="0"/>
-              <a:t>조원은 장준영</a:t>
-            </a:r>
-            <a:r>
-              <a:rPr lang="en-US" altLang="ko-KR" dirty="0"/>
-              <a:t>, </a:t>
-            </a:r>
-            <a:r>
-              <a:rPr lang="ko-KR" altLang="en-US" dirty="0"/>
-              <a:t>김유정 총 </a:t>
-            </a:r>
-            <a:r>
-              <a:rPr lang="en-US" altLang="ko-KR" dirty="0"/>
-              <a:t>2</a:t>
-            </a:r>
-            <a:r>
-              <a:rPr lang="ko-KR" altLang="en-US" dirty="0"/>
-              <a:t>명입니다</a:t>
+              <a:t>기사 자격증 시험 일정을 자동으로 가져오는 로봇을 만드는 것 입니다</a:t>
             </a:r>
             <a:r>
               <a:rPr lang="en-US" altLang="ko-KR" dirty="0"/>
@@ -797,107 +765,13 @@
           </a:p>
           <a:p>
             <a:r>
-              <a:rPr lang="ko-KR" altLang="en-US" dirty="0" smtClean="0"/>
-              <a:t>프로젝트에서 구현하고자 </a:t>
-            </a:r>
-            <a:r>
               <a:rPr lang="ko-KR" altLang="en-US" dirty="0"/>
-              <a:t>하는 목표는 회원가입</a:t>
+              <a:t>과제 목표는 자격증 시험 일정을 검색하여 나오는 정보들을 엑셀 파일 하나로 취합하는 프로세스를 구현하는 것 입니다</a:t>
             </a:r>
             <a:r>
               <a:rPr lang="en-US" altLang="ko-KR" dirty="0"/>
-              <a:t> </a:t>
-            </a:r>
-            <a:r>
-              <a:rPr lang="ko-KR" altLang="en-US" dirty="0"/>
-              <a:t>혹은 로그인을 하여 상품을 장바구니에 담아 주문까지 가능한 </a:t>
-            </a:r>
-            <a:r>
-              <a:rPr lang="ko-KR" altLang="en-US" dirty="0" smtClean="0"/>
-              <a:t>쇼핑몰 사이트를 </a:t>
-            </a:r>
-            <a:r>
-              <a:rPr lang="ko-KR" altLang="en-US" dirty="0"/>
-              <a:t>구현하는 것입니다</a:t>
-            </a:r>
-            <a:r>
-              <a:rPr lang="en-US" altLang="ko-KR" dirty="0" smtClean="0"/>
               <a:t>.</a:t>
             </a:r>
-          </a:p>
-          <a:p>
-            <a:r>
-              <a:rPr lang="ko-KR" altLang="en-US" dirty="0" smtClean="0"/>
-              <a:t>제가 맡은 파트는 기획과 디자인</a:t>
-            </a:r>
-            <a:r>
-              <a:rPr lang="en-US" altLang="ko-KR" dirty="0" smtClean="0"/>
-              <a:t>,</a:t>
-            </a:r>
-            <a:r>
-              <a:rPr lang="en-US" altLang="ko-KR" baseline="0" dirty="0" smtClean="0"/>
-              <a:t> </a:t>
-            </a:r>
-            <a:r>
-              <a:rPr lang="ko-KR" altLang="en-US" baseline="0" dirty="0" smtClean="0"/>
-              <a:t>퍼블리싱 이며 로그인</a:t>
-            </a:r>
-            <a:r>
-              <a:rPr lang="en-US" altLang="ko-KR" baseline="0" dirty="0" smtClean="0"/>
-              <a:t>, </a:t>
-            </a:r>
-            <a:r>
-              <a:rPr lang="ko-KR" altLang="en-US" baseline="0" dirty="0" smtClean="0"/>
-              <a:t>회원가입 기능을 담당하였고</a:t>
-            </a:r>
-            <a:r>
-              <a:rPr lang="en-US" altLang="ko-KR" baseline="0" dirty="0" smtClean="0"/>
-              <a:t>,</a:t>
-            </a:r>
-          </a:p>
-          <a:p>
-            <a:r>
-              <a:rPr lang="ko-KR" altLang="en-US" baseline="0" dirty="0" err="1" smtClean="0"/>
-              <a:t>유정씨는</a:t>
-            </a:r>
-            <a:r>
-              <a:rPr lang="ko-KR" altLang="en-US" baseline="0" dirty="0" smtClean="0"/>
-              <a:t> </a:t>
-            </a:r>
-            <a:r>
-              <a:rPr lang="ko-KR" altLang="en-US" baseline="0" dirty="0" err="1" smtClean="0"/>
-              <a:t>상품목록</a:t>
-            </a:r>
-            <a:r>
-              <a:rPr lang="en-US" altLang="ko-KR" baseline="0" dirty="0" smtClean="0"/>
-              <a:t>,</a:t>
-            </a:r>
-            <a:r>
-              <a:rPr lang="ko-KR" altLang="en-US" baseline="0" dirty="0" smtClean="0"/>
-              <a:t> </a:t>
-            </a:r>
-            <a:r>
-              <a:rPr lang="ko-KR" altLang="en-US" baseline="0" dirty="0" err="1" smtClean="0"/>
-              <a:t>상품정렬</a:t>
-            </a:r>
-            <a:r>
-              <a:rPr lang="en-US" altLang="ko-KR" baseline="0" dirty="0" smtClean="0"/>
-              <a:t>, </a:t>
-            </a:r>
-            <a:r>
-              <a:rPr lang="ko-KR" altLang="en-US" baseline="0" dirty="0" smtClean="0"/>
-              <a:t>장바구니 담기 등 주로 상품과 관련된 기능을 담당하였습니다</a:t>
-            </a:r>
-            <a:r>
-              <a:rPr lang="en-US" altLang="ko-KR" baseline="0" dirty="0" smtClean="0"/>
-              <a:t>.</a:t>
-            </a:r>
-            <a:endParaRPr lang="en-US" altLang="ko-KR" dirty="0" smtClean="0"/>
-          </a:p>
-          <a:p>
-            <a:endParaRPr lang="en-US" altLang="ko-KR" dirty="0"/>
-          </a:p>
-          <a:p>
             <a:endParaRPr lang="ko-KR" altLang="en-US" dirty="0"/>
           </a:p>
         </p:txBody>
@@ -983,56 +857,42 @@
           <a:lstStyle/>
           <a:p>
             <a:r>
-              <a:rPr lang="ko-KR" altLang="en-US" dirty="0" smtClean="0"/>
-              <a:t>페이지 </a:t>
-            </a:r>
-            <a:r>
-              <a:rPr lang="ko-KR" altLang="en-US" dirty="0" err="1" smtClean="0"/>
-              <a:t>구현단계</a:t>
-            </a:r>
-            <a:r>
-              <a:rPr lang="ko-KR" altLang="en-US" dirty="0" smtClean="0"/>
-              <a:t> 입니다</a:t>
-            </a:r>
-            <a:r>
-              <a:rPr lang="en-US" altLang="ko-KR" dirty="0" smtClean="0"/>
+              <a:rPr lang="ko-KR" altLang="en-US" dirty="0"/>
+              <a:t>구현 단계 입니다</a:t>
+            </a:r>
+            <a:r>
+              <a:rPr lang="en-US" altLang="ko-KR" dirty="0"/>
               <a:t>.</a:t>
             </a:r>
           </a:p>
           <a:p>
             <a:r>
-              <a:rPr lang="ko-KR" altLang="en-US" dirty="0" smtClean="0"/>
-              <a:t>회원가입 페이지에서는 아이디가 중복이면 가입이 되지 않고 페이지가 </a:t>
-            </a:r>
-            <a:r>
-              <a:rPr lang="ko-KR" altLang="en-US" dirty="0" err="1" smtClean="0"/>
-              <a:t>새로고침</a:t>
-            </a:r>
-            <a:r>
-              <a:rPr lang="ko-KR" altLang="en-US" dirty="0" smtClean="0"/>
-              <a:t> 됩니다</a:t>
-            </a:r>
-            <a:r>
-              <a:rPr lang="en-US" altLang="ko-KR" dirty="0" smtClean="0"/>
-              <a:t>.</a:t>
-            </a:r>
-          </a:p>
-          <a:p>
-            <a:r>
-              <a:rPr lang="ko-KR" altLang="en-US" dirty="0" smtClean="0"/>
-              <a:t>아이디가 중복이 아니라면 회원가입이 되고 메인페이지로 </a:t>
-            </a:r>
-            <a:r>
-              <a:rPr lang="ko-KR" altLang="en-US" dirty="0" err="1" smtClean="0"/>
-              <a:t>이동하게됩니다</a:t>
-            </a:r>
-            <a:r>
-              <a:rPr lang="en-US" altLang="ko-KR" dirty="0" smtClean="0"/>
-              <a:t>.</a:t>
-            </a:r>
-          </a:p>
-          <a:p>
-            <a:endParaRPr lang="ko-KR" altLang="en-US" dirty="0"/>
+              <a:rPr lang="ko-KR" altLang="en-US" dirty="0"/>
+              <a:t>우선 브라우저 오픈 및 검색을 하기 위해</a:t>
+            </a:r>
+            <a:endParaRPr lang="en-US" altLang="ko-KR" dirty="0"/>
+          </a:p>
+          <a:p>
+            <a:r>
+              <a:rPr lang="en-US" altLang="ko-KR" dirty="0"/>
+              <a:t>1</a:t>
+            </a:r>
+            <a:r>
+              <a:rPr lang="ko-KR" altLang="en-US" dirty="0"/>
+              <a:t>번 읽기</a:t>
+            </a:r>
+            <a:endParaRPr lang="en-US" altLang="ko-KR" dirty="0"/>
+          </a:p>
+          <a:p>
+            <a:r>
+              <a:rPr lang="en-US" altLang="ko-KR" dirty="0"/>
+              <a:t>2</a:t>
+            </a:r>
+            <a:r>
+              <a:rPr lang="ko-KR" altLang="en-US" dirty="0"/>
+              <a:t>번 읽기</a:t>
+            </a:r>
+            <a:endParaRPr lang="en-US" altLang="ko-KR" dirty="0"/>
           </a:p>
         </p:txBody>
       </p:sp>
@@ -1117,56 +977,20 @@
           <a:lstStyle/>
           <a:p>
             <a:r>
-              <a:rPr lang="ko-KR" altLang="en-US" dirty="0" smtClean="0"/>
-              <a:t>페이지 </a:t>
-            </a:r>
-            <a:r>
-              <a:rPr lang="ko-KR" altLang="en-US" dirty="0" err="1" smtClean="0"/>
-              <a:t>구현단계</a:t>
-            </a:r>
-            <a:r>
-              <a:rPr lang="ko-KR" altLang="en-US" dirty="0" smtClean="0"/>
-              <a:t> 입니다</a:t>
-            </a:r>
-            <a:r>
-              <a:rPr lang="en-US" altLang="ko-KR" dirty="0" smtClean="0"/>
-              <a:t>.</a:t>
-            </a:r>
-          </a:p>
-          <a:p>
-            <a:r>
-              <a:rPr lang="ko-KR" altLang="en-US" dirty="0" smtClean="0"/>
-              <a:t>회원가입 페이지에서는 아이디가 중복이면 가입이 되지 않고 페이지가 </a:t>
-            </a:r>
-            <a:r>
-              <a:rPr lang="ko-KR" altLang="en-US" dirty="0" err="1" smtClean="0"/>
-              <a:t>새로고침</a:t>
-            </a:r>
-            <a:r>
-              <a:rPr lang="ko-KR" altLang="en-US" dirty="0" smtClean="0"/>
-              <a:t> 됩니다</a:t>
-            </a:r>
-            <a:r>
-              <a:rPr lang="en-US" altLang="ko-KR" dirty="0" smtClean="0"/>
-              <a:t>.</a:t>
-            </a:r>
-          </a:p>
-          <a:p>
-            <a:r>
-              <a:rPr lang="ko-KR" altLang="en-US" dirty="0" smtClean="0"/>
-              <a:t>아이디가 중복이 아니라면 회원가입이 되고 메인페이지로 </a:t>
-            </a:r>
-            <a:r>
-              <a:rPr lang="ko-KR" altLang="en-US" dirty="0" err="1" smtClean="0"/>
-              <a:t>이동하게됩니다</a:t>
-            </a:r>
-            <a:r>
-              <a:rPr lang="en-US" altLang="ko-KR" dirty="0" smtClean="0"/>
-              <a:t>.</a:t>
-            </a:r>
-          </a:p>
-          <a:p>
-            <a:endParaRPr lang="ko-KR" altLang="en-US" dirty="0"/>
+              <a:rPr lang="ko-KR" altLang="en-US" dirty="0"/>
+              <a:t>그 다음은 자격증 이름을 저장하기 위해</a:t>
+            </a:r>
+            <a:endParaRPr lang="en-US" altLang="ko-KR" dirty="0"/>
+          </a:p>
+          <a:p>
+            <a:r>
+              <a:rPr lang="en-US" altLang="ko-KR" dirty="0"/>
+              <a:t>1</a:t>
+            </a:r>
+            <a:r>
+              <a:rPr lang="ko-KR" altLang="en-US" dirty="0"/>
+              <a:t>번 읽기</a:t>
+            </a:r>
           </a:p>
         </p:txBody>
       </p:sp>
@@ -1251,56 +1075,31 @@
           <a:lstStyle/>
           <a:p>
             <a:r>
-              <a:rPr lang="ko-KR" altLang="en-US" dirty="0" smtClean="0"/>
-              <a:t>페이지 </a:t>
-            </a:r>
-            <a:r>
-              <a:rPr lang="ko-KR" altLang="en-US" dirty="0" err="1" smtClean="0"/>
-              <a:t>구현단계</a:t>
-            </a:r>
-            <a:r>
-              <a:rPr lang="ko-KR" altLang="en-US" dirty="0" smtClean="0"/>
-              <a:t> 입니다</a:t>
-            </a:r>
-            <a:r>
-              <a:rPr lang="en-US" altLang="ko-KR" dirty="0" smtClean="0"/>
-              <a:t>.</a:t>
-            </a:r>
-          </a:p>
-          <a:p>
-            <a:r>
-              <a:rPr lang="ko-KR" altLang="en-US" dirty="0" smtClean="0"/>
-              <a:t>회원가입 페이지에서는 아이디가 중복이면 가입이 되지 않고 페이지가 </a:t>
-            </a:r>
-            <a:r>
-              <a:rPr lang="ko-KR" altLang="en-US" dirty="0" err="1" smtClean="0"/>
-              <a:t>새로고침</a:t>
-            </a:r>
-            <a:r>
-              <a:rPr lang="ko-KR" altLang="en-US" dirty="0" smtClean="0"/>
-              <a:t> 됩니다</a:t>
-            </a:r>
-            <a:r>
-              <a:rPr lang="en-US" altLang="ko-KR" dirty="0" smtClean="0"/>
-              <a:t>.</a:t>
-            </a:r>
-          </a:p>
-          <a:p>
-            <a:r>
-              <a:rPr lang="ko-KR" altLang="en-US" dirty="0" smtClean="0"/>
-              <a:t>아이디가 중복이 아니라면 회원가입이 되고 메인페이지로 </a:t>
-            </a:r>
-            <a:r>
-              <a:rPr lang="ko-KR" altLang="en-US" dirty="0" err="1" smtClean="0"/>
-              <a:t>이동하게됩니다</a:t>
-            </a:r>
-            <a:r>
-              <a:rPr lang="en-US" altLang="ko-KR" dirty="0" smtClean="0"/>
-              <a:t>.</a:t>
-            </a:r>
-          </a:p>
-          <a:p>
-            <a:endParaRPr lang="ko-KR" altLang="en-US" dirty="0"/>
+              <a:rPr lang="ko-KR" altLang="en-US" dirty="0"/>
+              <a:t>그 다음은 자격증 시험 일정 수집을 위해</a:t>
+            </a:r>
+            <a:endParaRPr lang="en-US" altLang="ko-KR" dirty="0"/>
+          </a:p>
+          <a:p>
+            <a:r>
+              <a:rPr lang="en-US" altLang="ko-KR" dirty="0"/>
+              <a:t>1</a:t>
+            </a:r>
+            <a:r>
+              <a:rPr lang="ko-KR" altLang="en-US" dirty="0"/>
+              <a:t>번 읽기</a:t>
+            </a:r>
+            <a:endParaRPr lang="en-US" altLang="ko-KR" dirty="0"/>
+          </a:p>
+          <a:p>
+            <a:r>
+              <a:rPr lang="en-US" altLang="ko-KR" dirty="0"/>
+              <a:t>2</a:t>
+            </a:r>
+            <a:r>
+              <a:rPr lang="ko-KR" altLang="en-US" dirty="0"/>
+              <a:t>번 읽기</a:t>
+            </a:r>
           </a:p>
         </p:txBody>
       </p:sp>
@@ -1385,56 +1184,20 @@
           <a:lstStyle/>
           <a:p>
             <a:r>
-              <a:rPr lang="ko-KR" altLang="en-US" dirty="0" smtClean="0"/>
-              <a:t>페이지 </a:t>
-            </a:r>
-            <a:r>
-              <a:rPr lang="ko-KR" altLang="en-US" dirty="0" err="1" smtClean="0"/>
-              <a:t>구현단계</a:t>
-            </a:r>
-            <a:r>
-              <a:rPr lang="ko-KR" altLang="en-US" dirty="0" smtClean="0"/>
-              <a:t> 입니다</a:t>
-            </a:r>
-            <a:r>
-              <a:rPr lang="en-US" altLang="ko-KR" dirty="0" smtClean="0"/>
-              <a:t>.</a:t>
-            </a:r>
-          </a:p>
-          <a:p>
-            <a:r>
-              <a:rPr lang="ko-KR" altLang="en-US" dirty="0" smtClean="0"/>
-              <a:t>회원가입 페이지에서는 아이디가 중복이면 가입이 되지 않고 페이지가 </a:t>
-            </a:r>
-            <a:r>
-              <a:rPr lang="ko-KR" altLang="en-US" dirty="0" err="1" smtClean="0"/>
-              <a:t>새로고침</a:t>
-            </a:r>
-            <a:r>
-              <a:rPr lang="ko-KR" altLang="en-US" dirty="0" smtClean="0"/>
-              <a:t> 됩니다</a:t>
-            </a:r>
-            <a:r>
-              <a:rPr lang="en-US" altLang="ko-KR" dirty="0" smtClean="0"/>
-              <a:t>.</a:t>
-            </a:r>
-          </a:p>
-          <a:p>
-            <a:r>
-              <a:rPr lang="ko-KR" altLang="en-US" dirty="0" smtClean="0"/>
-              <a:t>아이디가 중복이 아니라면 회원가입이 되고 메인페이지로 </a:t>
-            </a:r>
-            <a:r>
-              <a:rPr lang="ko-KR" altLang="en-US" dirty="0" err="1" smtClean="0"/>
-              <a:t>이동하게됩니다</a:t>
-            </a:r>
-            <a:r>
-              <a:rPr lang="en-US" altLang="ko-KR" dirty="0" smtClean="0"/>
-              <a:t>.</a:t>
-            </a:r>
-          </a:p>
-          <a:p>
-            <a:endParaRPr lang="ko-KR" altLang="en-US" dirty="0"/>
+              <a:rPr lang="ko-KR" altLang="en-US" dirty="0"/>
+              <a:t>마지막으로 가져온 데이터를 엑셀에 취합하기 위해</a:t>
+            </a:r>
+            <a:endParaRPr lang="en-US" altLang="ko-KR" dirty="0"/>
+          </a:p>
+          <a:p>
+            <a:r>
+              <a:rPr lang="en-US" altLang="ko-KR" dirty="0"/>
+              <a:t>1</a:t>
+            </a:r>
+            <a:r>
+              <a:rPr lang="ko-KR" altLang="en-US" dirty="0"/>
+              <a:t>번 읽기</a:t>
+            </a:r>
           </a:p>
         </p:txBody>
       </p:sp>
@@ -1519,31 +1282,40 @@
           <a:lstStyle/>
           <a:p>
             <a:r>
-              <a:rPr lang="ko-KR" altLang="en-US" dirty="0" smtClean="0"/>
-              <a:t>순서는 개요</a:t>
+              <a:rPr lang="ko-KR" altLang="en-US" dirty="0"/>
+              <a:t>시연 단계 입니다</a:t>
             </a:r>
             <a:r>
               <a:rPr lang="en-US" altLang="ko-KR" dirty="0"/>
-              <a:t>, </a:t>
-            </a:r>
-            <a:r>
-              <a:rPr lang="ko-KR" altLang="en-US" dirty="0" smtClean="0"/>
-              <a:t>구현</a:t>
-            </a:r>
-            <a:r>
-              <a:rPr lang="en-US" altLang="ko-KR" dirty="0" smtClean="0"/>
-              <a:t>, </a:t>
-            </a:r>
-            <a:r>
-              <a:rPr lang="ko-KR" altLang="en-US" dirty="0" smtClean="0"/>
-              <a:t>시연 </a:t>
-            </a:r>
+              <a:t>.</a:t>
+            </a:r>
+          </a:p>
+          <a:p>
             <a:r>
               <a:rPr lang="ko-KR" altLang="en-US" dirty="0"/>
-              <a:t>순으로 진행하도록 하겠습니다</a:t>
-            </a:r>
-            <a:r>
-              <a:rPr lang="en-US" altLang="ko-KR" dirty="0"/>
+              <a:t>저는 미리 </a:t>
+            </a:r>
+            <a:r>
+              <a:rPr lang="en-US" altLang="ko-KR" dirty="0" err="1"/>
+              <a:t>uipath</a:t>
+            </a:r>
+            <a:r>
+              <a:rPr lang="ko-KR" altLang="en-US" dirty="0"/>
+              <a:t>를 </a:t>
+            </a:r>
+            <a:r>
+              <a:rPr lang="ko-KR" altLang="en-US" dirty="0" err="1"/>
+              <a:t>켜두었고</a:t>
+            </a:r>
+            <a:endParaRPr lang="en-US" altLang="ko-KR" dirty="0"/>
+          </a:p>
+          <a:p>
+            <a:r>
+              <a:rPr lang="ko-KR" altLang="en-US" dirty="0"/>
+              <a:t>바로 실행해보도록 하겠습니다</a:t>
+            </a:r>
+            <a:r>
+              <a:rPr lang="en-US" altLang="ko-KR"/>
               <a:t>.</a:t>
             </a:r>
             <a:endParaRPr lang="ko-KR" altLang="en-US" dirty="0"/>
@@ -1577,6 +1349,98 @@
     <p:extLst>
       <p:ext uri="{BB962C8B-B14F-4D97-AF65-F5344CB8AC3E}">
         <p14:creationId xmlns:p14="http://schemas.microsoft.com/office/powerpoint/2010/main" val="3851407650"/>
+      </p:ext>
+    </p:extLst>
+  </p:cSld>
+  <p:clrMapOvr>
+    <a:masterClrMapping/>
+  </p:clrMapOvr>
+</p:notes>
+</file>
+
+<file path=ppt/notesSlides/notesSlide9.xml><?xml version="1.0" encoding="utf-8"?>
+<p:notes xmlns:a="http://schemas.openxmlformats.org/drawingml/2006/main" xmlns:r="http://schemas.openxmlformats.org/officeDocument/2006/relationships" xmlns:p="http://schemas.openxmlformats.org/presentationml/2006/main">
+  <p:cSld>
+    <p:spTree>
+      <p:nvGrpSpPr>
+        <p:cNvPr id="1" name=""/>
+        <p:cNvGrpSpPr/>
+        <p:nvPr/>
+      </p:nvGrpSpPr>
+      <p:grpSpPr>
+        <a:xfrm>
+          <a:off x="0" y="0"/>
+          <a:ext cx="0" cy="0"/>
+          <a:chOff x="0" y="0"/>
+          <a:chExt cx="0" cy="0"/>
+        </a:xfrm>
+      </p:grpSpPr>
+      <p:sp>
+        <p:nvSpPr>
+          <p:cNvPr id="2" name="슬라이드 이미지 개체 틀 1"/>
+          <p:cNvSpPr>
+            <a:spLocks noGrp="1" noRot="1" noChangeAspect="1"/>
+          </p:cNvSpPr>
+          <p:nvPr>
+            <p:ph type="sldImg"/>
+          </p:nvPr>
+        </p:nvSpPr>
+        <p:spPr/>
+      </p:sp>
+      <p:sp>
+        <p:nvSpPr>
+          <p:cNvPr id="3" name="슬라이드 노트 개체 틀 2"/>
+          <p:cNvSpPr>
+            <a:spLocks noGrp="1"/>
+          </p:cNvSpPr>
+          <p:nvPr>
+            <p:ph type="body" idx="1"/>
+          </p:nvPr>
+        </p:nvSpPr>
+        <p:spPr/>
+        <p:txBody>
+          <a:bodyPr/>
+          <a:lstStyle/>
+          <a:p>
+            <a:r>
+              <a:rPr lang="ko-KR" altLang="en-US" dirty="0"/>
+              <a:t>이것으로 제 발표를 마치겠습니다</a:t>
+            </a:r>
+            <a:r>
+              <a:rPr lang="en-US" altLang="ko-KR" dirty="0"/>
+              <a:t>.</a:t>
+            </a:r>
+            <a:endParaRPr lang="ko-KR" altLang="en-US" dirty="0"/>
+          </a:p>
+        </p:txBody>
+      </p:sp>
+      <p:sp>
+        <p:nvSpPr>
+          <p:cNvPr id="4" name="슬라이드 번호 개체 틀 3"/>
+          <p:cNvSpPr>
+            <a:spLocks noGrp="1"/>
+          </p:cNvSpPr>
+          <p:nvPr>
+            <p:ph type="sldNum" sz="quarter" idx="5"/>
+          </p:nvPr>
+        </p:nvSpPr>
+        <p:spPr/>
+        <p:txBody>
+          <a:bodyPr/>
+          <a:lstStyle/>
+          <a:p>
+            <a:fld id="{B26BC972-8420-4471-B137-FF7557F5A6B8}" type="slidenum">
+              <a:rPr lang="ko-KR" altLang="en-US" smtClean="0"/>
+              <a:t>9</a:t>
+            </a:fld>
+            <a:endParaRPr lang="ko-KR" altLang="en-US"/>
+          </a:p>
+        </p:txBody>
+      </p:sp>
+    </p:spTree>
+    <p:extLst>
+      <p:ext uri="{BB962C8B-B14F-4D97-AF65-F5344CB8AC3E}">
+        <p14:creationId xmlns:p14="http://schemas.microsoft.com/office/powerpoint/2010/main" val="1973928112"/>
       </p:ext>
     </p:extLst>
   </p:cSld>
@@ -6191,26 +6055,23 @@
           <a:lstStyle/>
           <a:p>
             <a:r>
-              <a:rPr lang="ko-KR" altLang="en-US" b="1" dirty="0" smtClean="0">
+              <a:rPr lang="ko-KR" altLang="en-US" b="1" dirty="0">
                 <a:latin typeface="+mn-ea"/>
               </a:rPr>
               <a:t>교육생</a:t>
             </a:r>
             <a:r>
-              <a:rPr lang="en-US" altLang="ko-KR" b="1" dirty="0" smtClean="0">
+              <a:rPr lang="en-US" altLang="ko-KR" b="1" dirty="0">
                 <a:latin typeface="+mn-ea"/>
               </a:rPr>
               <a:t> </a:t>
             </a:r>
             <a:r>
-              <a:rPr lang="ko-KR" altLang="en-US" b="1" dirty="0" smtClean="0">
+              <a:rPr lang="ko-KR" altLang="en-US" b="1" dirty="0">
                 <a:latin typeface="+mn-ea"/>
               </a:rPr>
               <a:t>장준영</a:t>
             </a:r>
-            <a:endParaRPr lang="ko-KR" altLang="en-US" b="1" dirty="0">
-              <a:latin typeface="+mn-ea"/>
-            </a:endParaRPr>
           </a:p>
         </p:txBody>
       </p:sp>
@@ -6237,7 +6098,7 @@
           <a:lstStyle/>
           <a:p>
             <a:r>
-              <a:rPr lang="ko-KR" altLang="en-US" sz="2400" b="1" dirty="0" smtClean="0">
+              <a:rPr lang="ko-KR" altLang="en-US" sz="2400" b="1" dirty="0">
                 <a:solidFill>
                   <a:schemeClr val="tx2">
                     <a:lumMod val="75000"/>
@@ -6247,7 +6108,7 @@
               <a:t>자격증 시험 일정을 가져오는</a:t>
             </a:r>
             <a:r>
-              <a:rPr lang="en-US" altLang="ko-KR" sz="2400" b="1" dirty="0" smtClean="0">
+              <a:rPr lang="en-US" altLang="ko-KR" sz="2400" b="1" dirty="0">
                 <a:solidFill>
                   <a:schemeClr val="tx2">
                     <a:lumMod val="75000"/>
@@ -6257,7 +6118,7 @@
               <a:t> </a:t>
             </a:r>
             <a:r>
-              <a:rPr lang="ko-KR" altLang="en-US" sz="2400" b="1" dirty="0" smtClean="0">
+              <a:rPr lang="ko-KR" altLang="en-US" sz="2400" b="1" dirty="0">
                 <a:solidFill>
                   <a:schemeClr val="tx2">
                     <a:lumMod val="75000"/>
@@ -6266,13 +6127,6 @@
               </a:rPr>
               <a:t>로봇 만들기</a:t>
             </a:r>
-            <a:endParaRPr lang="ko-KR" altLang="en-US" sz="2400" b="1" dirty="0">
-              <a:solidFill>
-                <a:schemeClr val="tx2">
-                  <a:lumMod val="75000"/>
-                </a:schemeClr>
-              </a:solidFill>
-            </a:endParaRPr>
           </a:p>
         </p:txBody>
       </p:sp>
@@ -6286,13 +6140,6 @@
   <p:clrMapOvr>
     <a:masterClrMapping/>
   </p:clrMapOvr>
-  <p:timing>
-    <p:tnLst>
-      <p:par>
-        <p:cTn id="1" dur="indefinite" restart="never" nodeType="tmRoot"/>
-      </p:par>
-    </p:tnLst>
-  </p:timing>
 </p:sld>
 </file>
 
@@ -6402,7 +6249,7 @@
               <a:buChar char="§"/>
             </a:pPr>
             <a:r>
-              <a:rPr lang="ko-KR" altLang="en-US" sz="2400" dirty="0" smtClean="0">
+              <a:rPr lang="ko-KR" altLang="en-US" sz="2400" dirty="0">
                 <a:latin typeface="나눔고딕" panose="020D0604000000000000" pitchFamily="50" charset="-127"/>
                 <a:ea typeface="나눔고딕" panose="020D0604000000000000" pitchFamily="50" charset="-127"/>
               </a:rPr>
@@ -6411,21 +6258,6 @@
             <a:endParaRPr lang="en-US" altLang="ko-KR" sz="2400" dirty="0">
               <a:latin typeface="나눔고딕" panose="020D0604000000000000" pitchFamily="50" charset="-127"/>
               <a:ea typeface="나눔고딕" panose="020D0604000000000000" pitchFamily="50" charset="-127"/>
-            </a:endParaRPr>
-          </a:p>
-          <a:p>
-            <a:pPr marL="457200" lvl="1" indent="0">
-              <a:buClr>
-                <a:schemeClr val="accent3">
-                  <a:lumMod val="75000"/>
-                </a:schemeClr>
-              </a:buClr>
-              <a:buNone/>
-            </a:pPr>
-            <a:endParaRPr lang="en-US" altLang="ko-KR" sz="2400" dirty="0" smtClean="0">
-              <a:latin typeface="나눔고딕" panose="020D0604000000000000" pitchFamily="50" charset="-127"/>
-              <a:ea typeface="나눔고딕" panose="020D0604000000000000" pitchFamily="50" charset="-127"/>
-              <a:cs typeface="맑은 고딕 Semilight" panose="020B0502040204020203" pitchFamily="50" charset="-127"/>
             </a:endParaRPr>
           </a:p>
           <a:p>
@@ -6444,6 +6276,21 @@
             </a:endParaRPr>
           </a:p>
           <a:p>
+            <a:pPr marL="457200" lvl="1" indent="0">
+              <a:buClr>
+                <a:schemeClr val="accent3">
+                  <a:lumMod val="75000"/>
+                </a:schemeClr>
+              </a:buClr>
+              <a:buNone/>
+            </a:pPr>
+            <a:endParaRPr lang="en-US" altLang="ko-KR" sz="2400" dirty="0">
+              <a:latin typeface="나눔고딕" panose="020D0604000000000000" pitchFamily="50" charset="-127"/>
+              <a:ea typeface="나눔고딕" panose="020D0604000000000000" pitchFamily="50" charset="-127"/>
+              <a:cs typeface="맑은 고딕 Semilight" panose="020B0502040204020203" pitchFamily="50" charset="-127"/>
+            </a:endParaRPr>
+          </a:p>
+          <a:p>
             <a:pPr marL="514350" indent="-514350">
               <a:buClr>
                 <a:schemeClr val="tx2"/>
@@ -6452,13 +6299,13 @@
               <a:buAutoNum type="arabicPeriod"/>
             </a:pPr>
             <a:r>
-              <a:rPr lang="ko-KR" altLang="en-US" sz="2800" smtClean="0">
+              <a:rPr lang="ko-KR" altLang="en-US" sz="2800">
                 <a:latin typeface="휴먼엑스포" panose="02030504000101010101" pitchFamily="18" charset="-127"/>
                 <a:ea typeface="휴먼엑스포" panose="02030504000101010101" pitchFamily="18" charset="-127"/>
               </a:rPr>
               <a:t>구현</a:t>
             </a:r>
-            <a:endParaRPr lang="en-US" altLang="ko-KR" sz="2400" dirty="0" smtClean="0">
+            <a:endParaRPr lang="en-US" altLang="ko-KR" sz="2400" dirty="0">
               <a:latin typeface="나눔고딕" panose="020D0604000000000000" pitchFamily="50" charset="-127"/>
               <a:ea typeface="나눔고딕" panose="020D0604000000000000" pitchFamily="50" charset="-127"/>
             </a:endParaRPr>
@@ -6474,7 +6321,7 @@
               <a:buChar char="§"/>
             </a:pPr>
             <a:r>
-              <a:rPr lang="ko-KR" altLang="en-US" sz="2400" dirty="0" smtClean="0">
+              <a:rPr lang="ko-KR" altLang="en-US" sz="2400" dirty="0">
                 <a:latin typeface="나눔고딕" panose="020D0604000000000000" pitchFamily="50" charset="-127"/>
                 <a:ea typeface="나눔고딕" panose="020D0604000000000000" pitchFamily="50" charset="-127"/>
               </a:rPr>
@@ -6680,7 +6527,7 @@
               <a:buAutoNum type="arabicPeriod" startAt="3"/>
             </a:pPr>
             <a:r>
-              <a:rPr lang="ko-KR" altLang="en-US" sz="2800" dirty="0" smtClean="0">
+              <a:rPr lang="ko-KR" altLang="en-US" sz="2800" dirty="0">
                 <a:latin typeface="휴먼엑스포" panose="02030504000101010101" pitchFamily="18" charset="-127"/>
                 <a:ea typeface="휴먼엑스포" panose="02030504000101010101" pitchFamily="18" charset="-127"/>
               </a:rPr>
@@ -6702,7 +6549,7 @@
               <a:buChar char="§"/>
             </a:pPr>
             <a:r>
-              <a:rPr lang="ko-KR" altLang="en-US" sz="2400" dirty="0" smtClean="0">
+              <a:rPr lang="ko-KR" altLang="en-US" sz="2400" dirty="0">
                 <a:latin typeface="나눔고딕" panose="020D0604000000000000" pitchFamily="50" charset="-127"/>
                 <a:ea typeface="나눔고딕" panose="020D0604000000000000" pitchFamily="50" charset="-127"/>
               </a:rPr>
@@ -6740,13 +6587,6 @@
   <p:clrMapOvr>
     <a:masterClrMapping/>
   </p:clrMapOvr>
-  <p:timing>
-    <p:tnLst>
-      <p:par>
-        <p:cTn id="1" dur="indefinite" restart="never" nodeType="tmRoot"/>
-      </p:par>
-    </p:tnLst>
-  </p:timing>
 </p:sld>
 </file>
 
@@ -6840,7 +6680,7 @@
               <a:buChar char="•"/>
             </a:pPr>
             <a:r>
-              <a:rPr lang="ko-KR" altLang="en-US" sz="2400" b="1" dirty="0" smtClean="0">
+              <a:rPr lang="ko-KR" altLang="en-US" sz="2400" b="1" dirty="0">
                 <a:latin typeface="나눔고딕" panose="020D0604000000000000" pitchFamily="50" charset="-127"/>
                 <a:ea typeface="나눔고딕" panose="020D0604000000000000" pitchFamily="50" charset="-127"/>
               </a:rPr>
@@ -6859,13 +6699,13 @@
               <a:buNone/>
             </a:pPr>
             <a:r>
-              <a:rPr lang="ko-KR" altLang="en-US" sz="1800" dirty="0" smtClean="0">
+              <a:rPr lang="ko-KR" altLang="en-US" sz="1800" dirty="0">
                 <a:latin typeface="나눔고딕" panose="020D0604000000000000" pitchFamily="50" charset="-127"/>
                 <a:ea typeface="나눔고딕" panose="020D0604000000000000" pitchFamily="50" charset="-127"/>
               </a:rPr>
-              <a:t>기사 자격증 시험 일정을 자동으로 가져와는 로봇 만들기</a:t>
-            </a:r>
-            <a:endParaRPr lang="en-US" altLang="ko-KR" sz="1800" dirty="0" smtClean="0">
+              <a:t>기사 자격증 시험 일정을 자동으로 가져오는 로봇 만들기</a:t>
+            </a:r>
+            <a:endParaRPr lang="en-US" altLang="ko-KR" sz="1800" dirty="0">
               <a:latin typeface="나눔고딕" panose="020D0604000000000000" pitchFamily="50" charset="-127"/>
               <a:ea typeface="나눔고딕" panose="020D0604000000000000" pitchFamily="50" charset="-127"/>
             </a:endParaRPr>
@@ -6878,7 +6718,7 @@
               <a:buFont typeface="Arial" panose="020B0604020202020204" pitchFamily="34" charset="0"/>
               <a:buChar char="•"/>
             </a:pPr>
-            <a:endParaRPr lang="en-US" altLang="ko-KR" sz="800" dirty="0" smtClean="0">
+            <a:endParaRPr lang="en-US" altLang="ko-KR" sz="800" dirty="0">
               <a:latin typeface="나눔고딕" panose="020D0604000000000000" pitchFamily="50" charset="-127"/>
               <a:ea typeface="나눔고딕" panose="020D0604000000000000" pitchFamily="50" charset="-127"/>
             </a:endParaRPr>
@@ -6930,7 +6770,7 @@
               <a:buNone/>
             </a:pPr>
             <a:r>
-              <a:rPr lang="ko-KR" altLang="en-US" sz="1800" dirty="0" smtClean="0">
+              <a:rPr lang="ko-KR" altLang="en-US" sz="1800" dirty="0">
                 <a:latin typeface="나눔고딕" panose="020D0604000000000000" pitchFamily="50" charset="-127"/>
                 <a:ea typeface="나눔고딕" panose="020D0604000000000000" pitchFamily="50" charset="-127"/>
               </a:rPr>
@@ -7138,16 +6978,12 @@
               <a:buChar char="§"/>
             </a:pPr>
             <a:r>
-              <a:rPr lang="ko-KR" altLang="en-US" sz="2800" dirty="0" smtClean="0">
+              <a:rPr lang="ko-KR" altLang="en-US" sz="2800" dirty="0">
                 <a:latin typeface="휴먼엑스포" panose="02030504000101010101" pitchFamily="18" charset="-127"/>
                 <a:ea typeface="휴먼엑스포" panose="02030504000101010101" pitchFamily="18" charset="-127"/>
               </a:rPr>
               <a:t>과제 주제</a:t>
             </a:r>
-            <a:endParaRPr lang="ko-KR" altLang="en-US" sz="2800" dirty="0">
-              <a:latin typeface="휴먼엑스포" panose="02030504000101010101" pitchFamily="18" charset="-127"/>
-              <a:ea typeface="휴먼엑스포" panose="02030504000101010101" pitchFamily="18" charset="-127"/>
-            </a:endParaRPr>
           </a:p>
         </p:txBody>
       </p:sp>
@@ -7191,13 +7027,6 @@
   <p:clrMapOvr>
     <a:masterClrMapping/>
   </p:clrMapOvr>
-  <p:timing>
-    <p:tnLst>
-      <p:par>
-        <p:cTn id="1" dur="indefinite" restart="never" nodeType="tmRoot"/>
-      </p:par>
-    </p:tnLst>
-  </p:timing>
 </p:sld>
 </file>
 
@@ -7331,76 +7160,76 @@
               <a:buAutoNum type="arabicPeriod"/>
             </a:pPr>
             <a:r>
-              <a:rPr lang="en-US" altLang="ko-KR" sz="1400" dirty="0" smtClean="0">
+              <a:rPr lang="en-US" altLang="ko-KR" sz="1400" dirty="0">
                 <a:latin typeface="나눔고딕" panose="020D0604000000000000" pitchFamily="50" charset="-127"/>
                 <a:ea typeface="나눔고딕" panose="020D0604000000000000" pitchFamily="50" charset="-127"/>
               </a:rPr>
               <a:t>Open Browser Activity</a:t>
             </a:r>
             <a:r>
-              <a:rPr lang="ko-KR" altLang="en-US" sz="1400" dirty="0" smtClean="0">
+              <a:rPr lang="ko-KR" altLang="en-US" sz="1400" dirty="0">
                 <a:latin typeface="나눔고딕" panose="020D0604000000000000" pitchFamily="50" charset="-127"/>
                 <a:ea typeface="나눔고딕" panose="020D0604000000000000" pitchFamily="50" charset="-127"/>
               </a:rPr>
               <a:t>를 사용하여 브라우저를 열고 </a:t>
             </a:r>
             <a:r>
-              <a:rPr lang="en-US" altLang="ko-KR" sz="1400" dirty="0" smtClean="0">
+              <a:rPr lang="en-US" altLang="ko-KR" sz="1400" dirty="0">
                 <a:latin typeface="나눔고딕" panose="020D0604000000000000" pitchFamily="50" charset="-127"/>
                 <a:ea typeface="나눔고딕" panose="020D0604000000000000" pitchFamily="50" charset="-127"/>
               </a:rPr>
               <a:t>Type Into Activity</a:t>
             </a:r>
             <a:r>
-              <a:rPr lang="ko-KR" altLang="en-US" sz="1400" dirty="0" smtClean="0">
+              <a:rPr lang="ko-KR" altLang="en-US" sz="1400" dirty="0">
                 <a:latin typeface="나눔고딕" panose="020D0604000000000000" pitchFamily="50" charset="-127"/>
                 <a:ea typeface="나눔고딕" panose="020D0604000000000000" pitchFamily="50" charset="-127"/>
               </a:rPr>
               <a:t>를 사용하여 </a:t>
             </a:r>
             <a:r>
-              <a:rPr lang="en-US" altLang="ko-KR" sz="1400" dirty="0" smtClean="0">
+              <a:rPr lang="en-US" altLang="ko-KR" sz="1400" dirty="0">
                 <a:latin typeface="나눔고딕" panose="020D0604000000000000" pitchFamily="50" charset="-127"/>
                 <a:ea typeface="나눔고딕" panose="020D0604000000000000" pitchFamily="50" charset="-127"/>
               </a:rPr>
               <a:t>‘</a:t>
             </a:r>
             <a:r>
-              <a:rPr lang="ko-KR" altLang="en-US" sz="1400" dirty="0" smtClean="0">
+              <a:rPr lang="ko-KR" altLang="en-US" sz="1400" dirty="0">
                 <a:latin typeface="나눔고딕" panose="020D0604000000000000" pitchFamily="50" charset="-127"/>
                 <a:ea typeface="나눔고딕" panose="020D0604000000000000" pitchFamily="50" charset="-127"/>
               </a:rPr>
               <a:t>자격증 시험 일정</a:t>
             </a:r>
             <a:r>
-              <a:rPr lang="en-US" altLang="ko-KR" sz="1400" dirty="0" smtClean="0">
+              <a:rPr lang="en-US" altLang="ko-KR" sz="1400" dirty="0">
                 <a:latin typeface="나눔고딕" panose="020D0604000000000000" pitchFamily="50" charset="-127"/>
                 <a:ea typeface="나눔고딕" panose="020D0604000000000000" pitchFamily="50" charset="-127"/>
               </a:rPr>
               <a:t>’ </a:t>
             </a:r>
             <a:r>
-              <a:rPr lang="ko-KR" altLang="en-US" sz="1400" dirty="0" smtClean="0">
+              <a:rPr lang="ko-KR" altLang="en-US" sz="1400" dirty="0">
                 <a:latin typeface="나눔고딕" panose="020D0604000000000000" pitchFamily="50" charset="-127"/>
                 <a:ea typeface="나눔고딕" panose="020D0604000000000000" pitchFamily="50" charset="-127"/>
               </a:rPr>
               <a:t>을 검색 합니다</a:t>
             </a:r>
             <a:r>
-              <a:rPr lang="en-US" altLang="ko-KR" sz="1400" dirty="0" smtClean="0">
+              <a:rPr lang="en-US" altLang="ko-KR" sz="1400" dirty="0">
                 <a:latin typeface="나눔고딕" panose="020D0604000000000000" pitchFamily="50" charset="-127"/>
                 <a:ea typeface="나눔고딕" panose="020D0604000000000000" pitchFamily="50" charset="-127"/>
               </a:rPr>
               <a:t>.</a:t>
             </a:r>
             <a:r>
-              <a:rPr lang="ko-KR" altLang="en-US" sz="1400" dirty="0" smtClean="0">
+              <a:rPr lang="ko-KR" altLang="en-US" sz="1400" dirty="0">
                 <a:latin typeface="나눔고딕" panose="020D0604000000000000" pitchFamily="50" charset="-127"/>
                 <a:ea typeface="나눔고딕" panose="020D0604000000000000" pitchFamily="50" charset="-127"/>
               </a:rPr>
               <a:t> </a:t>
             </a:r>
-            <a:endParaRPr lang="en-US" altLang="ko-KR" sz="1400" dirty="0" smtClean="0">
+            <a:endParaRPr lang="en-US" altLang="ko-KR" sz="1400" dirty="0">
               <a:latin typeface="나눔고딕" panose="020D0604000000000000" pitchFamily="50" charset="-127"/>
               <a:ea typeface="나눔고딕" panose="020D0604000000000000" pitchFamily="50" charset="-127"/>
             </a:endParaRPr>
@@ -7414,49 +7243,28 @@
               <a:buAutoNum type="arabicPeriod"/>
             </a:pPr>
             <a:r>
-              <a:rPr lang="en-US" altLang="ko-KR" sz="1400" dirty="0" smtClean="0">
+              <a:rPr lang="en-US" altLang="ko-KR" sz="1400" dirty="0">
                 <a:latin typeface="나눔고딕" panose="020D0604000000000000" pitchFamily="50" charset="-127"/>
                 <a:ea typeface="나눔고딕" panose="020D0604000000000000" pitchFamily="50" charset="-127"/>
               </a:rPr>
-              <a:t>Click </a:t>
-            </a:r>
-            <a:r>
-              <a:rPr lang="en-US" altLang="ko-KR" sz="1400" dirty="0" smtClean="0">
+              <a:t>Click Activity</a:t>
+            </a:r>
+            <a:r>
+              <a:rPr lang="ko-KR" altLang="en-US" sz="1400" dirty="0">
                 <a:latin typeface="나눔고딕" panose="020D0604000000000000" pitchFamily="50" charset="-127"/>
                 <a:ea typeface="나눔고딕" panose="020D0604000000000000" pitchFamily="50" charset="-127"/>
               </a:rPr>
-              <a:t>Activity</a:t>
-            </a:r>
-            <a:r>
-              <a:rPr lang="ko-KR" altLang="en-US" sz="1400" dirty="0" smtClean="0">
-                <a:latin typeface="나눔고딕" panose="020D0604000000000000" pitchFamily="50" charset="-127"/>
-                <a:ea typeface="나눔고딕" panose="020D0604000000000000" pitchFamily="50" charset="-127"/>
-              </a:rPr>
-              <a:t>를 사용해 기사 자격증을 선택하고 데이터를 추출 하고자 하는 </a:t>
-            </a:r>
-            <a:r>
-              <a:rPr lang="ko-KR" altLang="en-US" sz="1400" dirty="0" smtClean="0">
-                <a:latin typeface="나눔고딕" panose="020D0604000000000000" pitchFamily="50" charset="-127"/>
-                <a:ea typeface="나눔고딕" panose="020D0604000000000000" pitchFamily="50" charset="-127"/>
-              </a:rPr>
-              <a:t>직무 분야를 </a:t>
-            </a:r>
-            <a:r>
-              <a:rPr lang="ko-KR" altLang="en-US" sz="1400" dirty="0" smtClean="0">
-                <a:latin typeface="나눔고딕" panose="020D0604000000000000" pitchFamily="50" charset="-127"/>
-                <a:ea typeface="나눔고딕" panose="020D0604000000000000" pitchFamily="50" charset="-127"/>
-              </a:rPr>
-              <a:t>선택합니다</a:t>
-            </a:r>
-            <a:r>
-              <a:rPr lang="en-US" altLang="ko-KR" sz="1400" dirty="0" smtClean="0">
+              <a:t>를 사용해 기사 자격증을 선택하고 데이터를 추출 하고자 하는 직무 분야를 선택합니다</a:t>
+            </a:r>
+            <a:r>
+              <a:rPr lang="en-US" altLang="ko-KR" sz="1400" dirty="0">
                 <a:latin typeface="나눔고딕" panose="020D0604000000000000" pitchFamily="50" charset="-127"/>
                 <a:ea typeface="나눔고딕" panose="020D0604000000000000" pitchFamily="50" charset="-127"/>
               </a:rPr>
               <a:t>.</a:t>
             </a:r>
             <a:r>
-              <a:rPr lang="ko-KR" altLang="en-US" sz="1400" dirty="0" smtClean="0">
+              <a:rPr lang="ko-KR" altLang="en-US" sz="1400" dirty="0">
                 <a:latin typeface="나눔고딕" panose="020D0604000000000000" pitchFamily="50" charset="-127"/>
                 <a:ea typeface="나눔고딕" panose="020D0604000000000000" pitchFamily="50" charset="-127"/>
               </a:rPr>
@@ -7508,7 +7316,7 @@
               <a:buChar char="•"/>
             </a:pPr>
             <a:r>
-              <a:rPr lang="ko-KR" altLang="en-US" dirty="0" smtClean="0">
+              <a:rPr lang="ko-KR" altLang="en-US" dirty="0">
                 <a:latin typeface="+mn-ea"/>
               </a:rPr>
               <a:t>브라우저 오픈 및 검색</a:t>
@@ -7755,13 +7563,13 @@
               <a:buChar char="•"/>
             </a:pPr>
             <a:r>
-              <a:rPr lang="ko-KR" altLang="en-US" dirty="0" smtClean="0">
+              <a:rPr lang="ko-KR" altLang="en-US" dirty="0">
                 <a:latin typeface="+mn-ea"/>
               </a:rPr>
               <a:t>주요 </a:t>
             </a:r>
             <a:r>
-              <a:rPr lang="ko-KR" altLang="en-US" dirty="0" err="1" smtClean="0">
+              <a:rPr lang="ko-KR" altLang="en-US" dirty="0" err="1">
                 <a:latin typeface="+mn-ea"/>
               </a:rPr>
               <a:t>액티비티</a:t>
@@ -7802,18 +7610,11 @@
           <a:lstStyle/>
           <a:p>
             <a:r>
-              <a:rPr lang="en-US" altLang="ko-KR" sz="1600" dirty="0" smtClean="0">
-                <a:latin typeface="나눔고딕" panose="020D0604000000000000" pitchFamily="50" charset="-127"/>
-                <a:ea typeface="나눔고딕" panose="020D0604000000000000" pitchFamily="50" charset="-127"/>
-              </a:rPr>
-              <a:t>Open </a:t>
-            </a:r>
-            <a:r>
               <a:rPr lang="en-US" altLang="ko-KR" sz="1600" dirty="0">
                 <a:latin typeface="나눔고딕" panose="020D0604000000000000" pitchFamily="50" charset="-127"/>
                 <a:ea typeface="나눔고딕" panose="020D0604000000000000" pitchFamily="50" charset="-127"/>
               </a:rPr>
-              <a:t>Browser</a:t>
+              <a:t>Open Browser</a:t>
             </a:r>
           </a:p>
           <a:p>
@@ -7823,7 +7624,7 @@
               </a:lnSpc>
             </a:pPr>
             <a:r>
-              <a:rPr lang="en-US" altLang="ko-KR" sz="1600" dirty="0" smtClean="0">
+              <a:rPr lang="en-US" altLang="ko-KR" sz="1600" dirty="0">
                 <a:latin typeface="나눔고딕" panose="020D0604000000000000" pitchFamily="50" charset="-127"/>
                 <a:ea typeface="나눔고딕" panose="020D0604000000000000" pitchFamily="50" charset="-127"/>
               </a:rPr>
@@ -7837,16 +7638,12 @@
               </a:lnSpc>
             </a:pPr>
             <a:r>
-              <a:rPr lang="en-US" altLang="ko-KR" sz="1600" dirty="0" smtClean="0">
+              <a:rPr lang="en-US" altLang="ko-KR" sz="1600" dirty="0">
                 <a:latin typeface="나눔고딕" panose="020D0604000000000000" pitchFamily="50" charset="-127"/>
                 <a:ea typeface="나눔고딕" panose="020D0604000000000000" pitchFamily="50" charset="-127"/>
               </a:rPr>
               <a:t>Click</a:t>
             </a:r>
-            <a:endParaRPr lang="en-US" altLang="ko-KR" sz="1600" dirty="0">
-              <a:latin typeface="나눔고딕" panose="020D0604000000000000" pitchFamily="50" charset="-127"/>
-              <a:ea typeface="나눔고딕" panose="020D0604000000000000" pitchFamily="50" charset="-127"/>
-            </a:endParaRPr>
           </a:p>
         </p:txBody>
       </p:sp>
@@ -7947,13 +7744,6 @@
   <p:clrMapOvr>
     <a:masterClrMapping/>
   </p:clrMapOvr>
-  <p:timing>
-    <p:tnLst>
-      <p:par>
-        <p:cTn id="1" dur="indefinite" restart="never" nodeType="tmRoot"/>
-      </p:par>
-    </p:tnLst>
-  </p:timing>
 </p:sld>
 </file>
 
@@ -8087,49 +7877,49 @@
               <a:buAutoNum type="arabicPeriod"/>
             </a:pPr>
             <a:r>
-              <a:rPr lang="ko-KR" altLang="en-US" sz="1400" dirty="0" smtClean="0">
+              <a:rPr lang="ko-KR" altLang="en-US" sz="1400" dirty="0">
                 <a:latin typeface="나눔고딕" panose="020D0604000000000000" pitchFamily="50" charset="-127"/>
                 <a:ea typeface="나눔고딕" panose="020D0604000000000000" pitchFamily="50" charset="-127"/>
               </a:rPr>
               <a:t>데이터 </a:t>
             </a:r>
             <a:r>
-              <a:rPr lang="ko-KR" altLang="en-US" sz="1400" dirty="0" err="1" smtClean="0">
+              <a:rPr lang="ko-KR" altLang="en-US" sz="1400" dirty="0" err="1">
                 <a:latin typeface="나눔고딕" panose="020D0604000000000000" pitchFamily="50" charset="-127"/>
                 <a:ea typeface="나눔고딕" panose="020D0604000000000000" pitchFamily="50" charset="-127"/>
               </a:rPr>
               <a:t>스크래핑을</a:t>
             </a:r>
             <a:r>
-              <a:rPr lang="ko-KR" altLang="en-US" sz="1400" dirty="0" smtClean="0">
+              <a:rPr lang="ko-KR" altLang="en-US" sz="1400" dirty="0">
                 <a:latin typeface="나눔고딕" panose="020D0604000000000000" pitchFamily="50" charset="-127"/>
                 <a:ea typeface="나눔고딕" panose="020D0604000000000000" pitchFamily="50" charset="-127"/>
               </a:rPr>
               <a:t> 사용하여 자격증 시험 이름들을 </a:t>
             </a:r>
             <a:r>
-              <a:rPr lang="en-US" altLang="ko-KR" sz="1400" dirty="0" err="1" smtClean="0">
+              <a:rPr lang="en-US" altLang="ko-KR" sz="1400" dirty="0" err="1">
                 <a:latin typeface="나눔고딕" panose="020D0604000000000000" pitchFamily="50" charset="-127"/>
                 <a:ea typeface="나눔고딕" panose="020D0604000000000000" pitchFamily="50" charset="-127"/>
               </a:rPr>
               <a:t>DataTable</a:t>
             </a:r>
             <a:r>
-              <a:rPr lang="ko-KR" altLang="en-US" sz="1400" dirty="0" smtClean="0">
+              <a:rPr lang="ko-KR" altLang="en-US" sz="1400" dirty="0">
                 <a:latin typeface="나눔고딕" panose="020D0604000000000000" pitchFamily="50" charset="-127"/>
                 <a:ea typeface="나눔고딕" panose="020D0604000000000000" pitchFamily="50" charset="-127"/>
               </a:rPr>
               <a:t>에 저장합니다</a:t>
             </a:r>
             <a:r>
-              <a:rPr lang="en-US" altLang="ko-KR" sz="1400" dirty="0" smtClean="0">
+              <a:rPr lang="en-US" altLang="ko-KR" sz="1400" dirty="0">
                 <a:latin typeface="나눔고딕" panose="020D0604000000000000" pitchFamily="50" charset="-127"/>
                 <a:ea typeface="나눔고딕" panose="020D0604000000000000" pitchFamily="50" charset="-127"/>
               </a:rPr>
               <a:t>.</a:t>
             </a:r>
             <a:r>
-              <a:rPr lang="ko-KR" altLang="en-US" sz="1400" dirty="0" smtClean="0">
+              <a:rPr lang="ko-KR" altLang="en-US" sz="1400" dirty="0">
                 <a:latin typeface="나눔고딕" panose="020D0604000000000000" pitchFamily="50" charset="-127"/>
                 <a:ea typeface="나눔고딕" panose="020D0604000000000000" pitchFamily="50" charset="-127"/>
               </a:rPr>
@@ -8181,16 +7971,12 @@
               <a:buChar char="•"/>
             </a:pPr>
             <a:r>
-              <a:rPr lang="ko-KR" altLang="en-US" dirty="0" smtClean="0">
+              <a:rPr lang="ko-KR" altLang="en-US" dirty="0">
                 <a:latin typeface="Arial" panose="020B0604020202020204" pitchFamily="34" charset="0"/>
                 <a:cs typeface="Arial" panose="020B0604020202020204" pitchFamily="34" charset="0"/>
               </a:rPr>
               <a:t>자격증 이름 저장</a:t>
             </a:r>
-            <a:endParaRPr lang="ko-KR" altLang="en-US" dirty="0">
-              <a:latin typeface="Arial" panose="020B0604020202020204" pitchFamily="34" charset="0"/>
-              <a:cs typeface="Arial" panose="020B0604020202020204" pitchFamily="34" charset="0"/>
-            </a:endParaRPr>
           </a:p>
         </p:txBody>
       </p:sp>
@@ -8233,13 +8019,13 @@
               <a:buChar char="•"/>
             </a:pPr>
             <a:r>
-              <a:rPr lang="ko-KR" altLang="en-US" dirty="0" smtClean="0">
+              <a:rPr lang="ko-KR" altLang="en-US" dirty="0">
                 <a:latin typeface="+mn-ea"/>
               </a:rPr>
               <a:t>주요 </a:t>
             </a:r>
             <a:r>
-              <a:rPr lang="ko-KR" altLang="en-US" dirty="0" err="1" smtClean="0">
+              <a:rPr lang="ko-KR" altLang="en-US" dirty="0" err="1">
                 <a:latin typeface="+mn-ea"/>
               </a:rPr>
               <a:t>액티비티</a:t>
@@ -8280,14 +8066,14 @@
           <a:lstStyle/>
           <a:p>
             <a:r>
-              <a:rPr lang="ko-KR" altLang="en-US" sz="1600" dirty="0" smtClean="0">
+              <a:rPr lang="ko-KR" altLang="en-US" sz="1600" dirty="0">
                 <a:latin typeface="나눔고딕" panose="020D0604000000000000" pitchFamily="50" charset="-127"/>
                 <a:ea typeface="나눔고딕" panose="020D0604000000000000" pitchFamily="50" charset="-127"/>
               </a:rPr>
               <a:t>데이터 </a:t>
             </a:r>
             <a:r>
-              <a:rPr lang="ko-KR" altLang="en-US" sz="1600" dirty="0" err="1" smtClean="0">
+              <a:rPr lang="ko-KR" altLang="en-US" sz="1600" dirty="0" err="1">
                 <a:latin typeface="나눔고딕" panose="020D0604000000000000" pitchFamily="50" charset="-127"/>
                 <a:ea typeface="나눔고딕" panose="020D0604000000000000" pitchFamily="50" charset="-127"/>
               </a:rPr>
@@ -8310,13 +8096,6 @@
   <p:clrMapOvr>
     <a:masterClrMapping/>
   </p:clrMapOvr>
-  <p:timing>
-    <p:tnLst>
-      <p:par>
-        <p:cTn id="1" dur="indefinite" restart="never" nodeType="tmRoot"/>
-      </p:par>
-    </p:tnLst>
-  </p:timing>
 </p:sld>
 </file>
 
@@ -8450,48 +8229,48 @@
               <a:buAutoNum type="arabicPeriod"/>
             </a:pPr>
             <a:r>
-              <a:rPr lang="en-US" altLang="ko-KR" sz="1400" dirty="0" smtClean="0">
+              <a:rPr lang="en-US" altLang="ko-KR" sz="1400" dirty="0">
                 <a:latin typeface="나눔고딕" panose="020D0604000000000000" pitchFamily="50" charset="-127"/>
                 <a:ea typeface="나눔고딕" panose="020D0604000000000000" pitchFamily="50" charset="-127"/>
               </a:rPr>
               <a:t>For Each Row in Data Table Activity</a:t>
             </a:r>
             <a:r>
-              <a:rPr lang="ko-KR" altLang="en-US" sz="1400" dirty="0" smtClean="0">
+              <a:rPr lang="ko-KR" altLang="en-US" sz="1400" dirty="0">
                 <a:latin typeface="나눔고딕" panose="020D0604000000000000" pitchFamily="50" charset="-127"/>
                 <a:ea typeface="나눔고딕" panose="020D0604000000000000" pitchFamily="50" charset="-127"/>
               </a:rPr>
               <a:t>를 사용하여 자격증 이름들이 저장 돼 있는 </a:t>
             </a:r>
             <a:r>
-              <a:rPr lang="en-US" altLang="ko-KR" sz="1400" dirty="0" err="1" smtClean="0">
+              <a:rPr lang="en-US" altLang="ko-KR" sz="1400" dirty="0" err="1">
                 <a:latin typeface="나눔고딕" panose="020D0604000000000000" pitchFamily="50" charset="-127"/>
                 <a:ea typeface="나눔고딕" panose="020D0604000000000000" pitchFamily="50" charset="-127"/>
               </a:rPr>
               <a:t>DataTable</a:t>
             </a:r>
             <a:r>
-              <a:rPr lang="ko-KR" altLang="en-US" sz="1400" dirty="0" smtClean="0">
+              <a:rPr lang="ko-KR" altLang="en-US" sz="1400" dirty="0">
                 <a:latin typeface="나눔고딕" panose="020D0604000000000000" pitchFamily="50" charset="-127"/>
                 <a:ea typeface="나눔고딕" panose="020D0604000000000000" pitchFamily="50" charset="-127"/>
               </a:rPr>
-              <a:t>을 토대로 자격증 수만큼 반복을 합니다</a:t>
-            </a:r>
-            <a:r>
-              <a:rPr lang="en-US" altLang="ko-KR" sz="1400" dirty="0" smtClean="0">
+              <a:t>을 토대로 자격증 수 만큼 반복을 합니다</a:t>
+            </a:r>
+            <a:r>
+              <a:rPr lang="en-US" altLang="ko-KR" sz="1400" dirty="0">
                 <a:latin typeface="나눔고딕" panose="020D0604000000000000" pitchFamily="50" charset="-127"/>
                 <a:ea typeface="나눔고딕" panose="020D0604000000000000" pitchFamily="50" charset="-127"/>
               </a:rPr>
               <a:t>.</a:t>
             </a:r>
             <a:r>
-              <a:rPr lang="ko-KR" altLang="en-US" sz="1400" dirty="0" smtClean="0">
+              <a:rPr lang="ko-KR" altLang="en-US" sz="1400" dirty="0">
                 <a:latin typeface="나눔고딕" panose="020D0604000000000000" pitchFamily="50" charset="-127"/>
                 <a:ea typeface="나눔고딕" panose="020D0604000000000000" pitchFamily="50" charset="-127"/>
               </a:rPr>
               <a:t> </a:t>
             </a:r>
-            <a:endParaRPr lang="en-US" altLang="ko-KR" sz="1400" dirty="0" smtClean="0">
+            <a:endParaRPr lang="en-US" altLang="ko-KR" sz="1400" dirty="0">
               <a:latin typeface="나눔고딕" panose="020D0604000000000000" pitchFamily="50" charset="-127"/>
               <a:ea typeface="나눔고딕" panose="020D0604000000000000" pitchFamily="50" charset="-127"/>
             </a:endParaRPr>
@@ -8505,91 +8284,84 @@
               <a:buAutoNum type="arabicPeriod"/>
             </a:pPr>
             <a:r>
-              <a:rPr lang="en-US" altLang="ko-KR" sz="1400" dirty="0" smtClean="0">
+              <a:rPr lang="en-US" altLang="ko-KR" sz="1400" dirty="0">
                 <a:latin typeface="나눔고딕" panose="020D0604000000000000" pitchFamily="50" charset="-127"/>
                 <a:ea typeface="나눔고딕" panose="020D0604000000000000" pitchFamily="50" charset="-127"/>
               </a:rPr>
               <a:t>Navigate To Activity</a:t>
             </a:r>
             <a:r>
-              <a:rPr lang="ko-KR" altLang="en-US" sz="1400" dirty="0" smtClean="0">
+              <a:rPr lang="ko-KR" altLang="en-US" sz="1400" dirty="0">
                 <a:latin typeface="나눔고딕" panose="020D0604000000000000" pitchFamily="50" charset="-127"/>
                 <a:ea typeface="나눔고딕" panose="020D0604000000000000" pitchFamily="50" charset="-127"/>
               </a:rPr>
               <a:t>를 사용해 </a:t>
             </a:r>
             <a:r>
-              <a:rPr lang="en-US" altLang="ko-KR" sz="1400" dirty="0" err="1" smtClean="0">
+              <a:rPr lang="en-US" altLang="ko-KR" sz="1400" dirty="0" err="1">
                 <a:latin typeface="나눔고딕" panose="020D0604000000000000" pitchFamily="50" charset="-127"/>
                 <a:ea typeface="나눔고딕" panose="020D0604000000000000" pitchFamily="50" charset="-127"/>
               </a:rPr>
               <a:t>url</a:t>
             </a:r>
             <a:r>
-              <a:rPr lang="ko-KR" altLang="en-US" sz="1400" dirty="0" smtClean="0">
-                <a:latin typeface="나눔고딕" panose="020D0604000000000000" pitchFamily="50" charset="-127"/>
-                <a:ea typeface="나눔고딕" panose="020D0604000000000000" pitchFamily="50" charset="-127"/>
-              </a:rPr>
-              <a:t>을 변경하고</a:t>
-            </a:r>
-            <a:r>
               <a:rPr lang="ko-KR" altLang="en-US" sz="1400" dirty="0">
                 <a:latin typeface="나눔고딕" panose="020D0604000000000000" pitchFamily="50" charset="-127"/>
                 <a:ea typeface="나눔고딕" panose="020D0604000000000000" pitchFamily="50" charset="-127"/>
               </a:rPr>
-              <a:t> </a:t>
-            </a:r>
-            <a:r>
-              <a:rPr lang="en-US" altLang="ko-KR" sz="1400" dirty="0" smtClean="0">
+              <a:t>을 변경하고 </a:t>
+            </a:r>
+            <a:r>
+              <a:rPr lang="en-US" altLang="ko-KR" sz="1400" dirty="0">
                 <a:latin typeface="나눔고딕" panose="020D0604000000000000" pitchFamily="50" charset="-127"/>
                 <a:ea typeface="나눔고딕" panose="020D0604000000000000" pitchFamily="50" charset="-127"/>
               </a:rPr>
               <a:t>Get Text Activity</a:t>
             </a:r>
             <a:r>
-              <a:rPr lang="ko-KR" altLang="en-US" sz="1400" dirty="0" smtClean="0">
+              <a:rPr lang="ko-KR" altLang="en-US" sz="1400" dirty="0">
                 <a:latin typeface="나눔고딕" panose="020D0604000000000000" pitchFamily="50" charset="-127"/>
                 <a:ea typeface="나눔고딕" panose="020D0604000000000000" pitchFamily="50" charset="-127"/>
               </a:rPr>
               <a:t>를 사용하여 자격증 시험 </a:t>
             </a:r>
             <a:r>
-              <a:rPr lang="ko-KR" altLang="en-US" sz="1400" dirty="0" err="1" smtClean="0">
+              <a:rPr lang="ko-KR" altLang="en-US" sz="1400" dirty="0" err="1">
                 <a:latin typeface="나눔고딕" panose="020D0604000000000000" pitchFamily="50" charset="-127"/>
                 <a:ea typeface="나눔고딕" panose="020D0604000000000000" pitchFamily="50" charset="-127"/>
               </a:rPr>
               <a:t>회차와</a:t>
             </a:r>
             <a:r>
-              <a:rPr lang="ko-KR" altLang="en-US" sz="1400" dirty="0" smtClean="0">
+              <a:rPr lang="ko-KR" altLang="en-US" sz="1400" dirty="0">
                 <a:latin typeface="나눔고딕" panose="020D0604000000000000" pitchFamily="50" charset="-127"/>
                 <a:ea typeface="나눔고딕" panose="020D0604000000000000" pitchFamily="50" charset="-127"/>
               </a:rPr>
               <a:t> 데이터 </a:t>
             </a:r>
             <a:r>
-              <a:rPr lang="ko-KR" altLang="en-US" sz="1400" dirty="0" err="1" smtClean="0">
+              <a:rPr lang="ko-KR" altLang="en-US" sz="1400" dirty="0" err="1">
                 <a:latin typeface="나눔고딕" panose="020D0604000000000000" pitchFamily="50" charset="-127"/>
                 <a:ea typeface="나눔고딕" panose="020D0604000000000000" pitchFamily="50" charset="-127"/>
               </a:rPr>
               <a:t>스크래핑으로</a:t>
             </a:r>
             <a:r>
-              <a:rPr lang="ko-KR" altLang="en-US" sz="1400" dirty="0" smtClean="0">
+              <a:rPr lang="ko-KR" altLang="en-US" sz="1400" dirty="0">
                 <a:latin typeface="나눔고딕" panose="020D0604000000000000" pitchFamily="50" charset="-127"/>
                 <a:ea typeface="나눔고딕" panose="020D0604000000000000" pitchFamily="50" charset="-127"/>
               </a:rPr>
               <a:t> 시험일정표를 가져옵니다</a:t>
             </a:r>
             <a:r>
-              <a:rPr lang="en-US" altLang="ko-KR" sz="1400" dirty="0" smtClean="0">
+              <a:rPr lang="en-US" altLang="ko-KR" sz="1400" dirty="0">
                 <a:latin typeface="나눔고딕" panose="020D0604000000000000" pitchFamily="50" charset="-127"/>
                 <a:ea typeface="나눔고딕" panose="020D0604000000000000" pitchFamily="50" charset="-127"/>
               </a:rPr>
               <a:t>.</a:t>
             </a:r>
             <a:r>
-              <a:rPr lang="ko-KR" altLang="en-US" sz="1400" dirty="0" smtClean="0">
+              <a:rPr lang="ko-KR" altLang="en-US" sz="1400" dirty="0">
                 <a:latin typeface="나눔고딕" panose="020D0604000000000000" pitchFamily="50" charset="-127"/>
                 <a:ea typeface="나눔고딕" panose="020D0604000000000000" pitchFamily="50" charset="-127"/>
               </a:rPr>
@@ -8641,16 +8413,12 @@
               <a:buChar char="•"/>
             </a:pPr>
             <a:r>
-              <a:rPr lang="ko-KR" altLang="en-US" dirty="0" smtClean="0">
+              <a:rPr lang="ko-KR" altLang="en-US" dirty="0">
                 <a:latin typeface="Arial" panose="020B0604020202020204" pitchFamily="34" charset="0"/>
                 <a:cs typeface="Arial" panose="020B0604020202020204" pitchFamily="34" charset="0"/>
               </a:rPr>
               <a:t>자격증 시험 일정 수집</a:t>
             </a:r>
-            <a:endParaRPr lang="ko-KR" altLang="en-US" dirty="0">
-              <a:latin typeface="Arial" panose="020B0604020202020204" pitchFamily="34" charset="0"/>
-              <a:cs typeface="Arial" panose="020B0604020202020204" pitchFamily="34" charset="0"/>
-            </a:endParaRPr>
           </a:p>
         </p:txBody>
       </p:sp>
@@ -8839,13 +8607,13 @@
               <a:buChar char="•"/>
             </a:pPr>
             <a:r>
-              <a:rPr lang="ko-KR" altLang="en-US" dirty="0" smtClean="0">
+              <a:rPr lang="ko-KR" altLang="en-US" dirty="0">
                 <a:latin typeface="+mn-ea"/>
               </a:rPr>
               <a:t>주요 </a:t>
             </a:r>
             <a:r>
-              <a:rPr lang="ko-KR" altLang="en-US" dirty="0" err="1" smtClean="0">
+              <a:rPr lang="ko-KR" altLang="en-US" dirty="0" err="1">
                 <a:latin typeface="+mn-ea"/>
               </a:rPr>
               <a:t>액티비티</a:t>
@@ -8886,7 +8654,7 @@
           <a:lstStyle/>
           <a:p>
             <a:r>
-              <a:rPr lang="en-US" altLang="ko-KR" sz="1600" dirty="0" smtClean="0">
+              <a:rPr lang="en-US" altLang="ko-KR" sz="1600" dirty="0">
                 <a:latin typeface="나눔고딕" panose="020D0604000000000000" pitchFamily="50" charset="-127"/>
                 <a:ea typeface="나눔고딕" panose="020D0604000000000000" pitchFamily="50" charset="-127"/>
               </a:rPr>
@@ -8900,7 +8668,7 @@
               </a:lnSpc>
             </a:pPr>
             <a:r>
-              <a:rPr lang="en-US" altLang="ko-KR" sz="1600" dirty="0" smtClean="0">
+              <a:rPr lang="en-US" altLang="ko-KR" sz="1600" dirty="0">
                 <a:latin typeface="나눔고딕" panose="020D0604000000000000" pitchFamily="50" charset="-127"/>
                 <a:ea typeface="나눔고딕" panose="020D0604000000000000" pitchFamily="50" charset="-127"/>
               </a:rPr>
@@ -8914,16 +8682,12 @@
               </a:lnSpc>
             </a:pPr>
             <a:r>
-              <a:rPr lang="en-US" altLang="ko-KR" sz="1600" dirty="0" smtClean="0">
+              <a:rPr lang="en-US" altLang="ko-KR" sz="1600" dirty="0">
                 <a:latin typeface="나눔고딕" panose="020D0604000000000000" pitchFamily="50" charset="-127"/>
                 <a:ea typeface="나눔고딕" panose="020D0604000000000000" pitchFamily="50" charset="-127"/>
               </a:rPr>
               <a:t>Get Text</a:t>
             </a:r>
-            <a:endParaRPr lang="en-US" altLang="ko-KR" sz="1600" dirty="0">
-              <a:latin typeface="나눔고딕" panose="020D0604000000000000" pitchFamily="50" charset="-127"/>
-              <a:ea typeface="나눔고딕" panose="020D0604000000000000" pitchFamily="50" charset="-127"/>
-            </a:endParaRPr>
           </a:p>
           <a:p>
             <a:pPr>
@@ -8932,7 +8696,7 @@
               </a:lnSpc>
             </a:pPr>
             <a:r>
-              <a:rPr lang="en-US" altLang="ko-KR" sz="1600" dirty="0" smtClean="0">
+              <a:rPr lang="en-US" altLang="ko-KR" sz="1600" dirty="0">
                 <a:latin typeface="나눔고딕" panose="020D0604000000000000" pitchFamily="50" charset="-127"/>
                 <a:ea typeface="나눔고딕" panose="020D0604000000000000" pitchFamily="50" charset="-127"/>
               </a:rPr>
@@ -9001,13 +8765,6 @@
   <p:clrMapOvr>
     <a:masterClrMapping/>
   </p:clrMapOvr>
-  <p:timing>
-    <p:tnLst>
-      <p:par>
-        <p:cTn id="1" dur="indefinite" restart="never" nodeType="tmRoot"/>
-      </p:par>
-    </p:tnLst>
-  </p:timing>
 </p:sld>
 </file>
 
@@ -9141,14 +8898,14 @@
               <a:buAutoNum type="arabicPeriod"/>
             </a:pPr>
             <a:r>
-              <a:rPr lang="en-US" altLang="ko-KR" sz="1400" dirty="0" smtClean="0">
+              <a:rPr lang="en-US" altLang="ko-KR" sz="1400" dirty="0">
                 <a:latin typeface="나눔고딕" panose="020D0604000000000000" pitchFamily="50" charset="-127"/>
                 <a:ea typeface="나눔고딕" panose="020D0604000000000000" pitchFamily="50" charset="-127"/>
               </a:rPr>
               <a:t>For Each Row in Data Table Activity </a:t>
             </a:r>
             <a:r>
-              <a:rPr lang="ko-KR" altLang="en-US" sz="1400" dirty="0" smtClean="0">
+              <a:rPr lang="ko-KR" altLang="en-US" sz="1400" dirty="0">
                 <a:latin typeface="나눔고딕" panose="020D0604000000000000" pitchFamily="50" charset="-127"/>
                 <a:ea typeface="나눔고딕" panose="020D0604000000000000" pitchFamily="50" charset="-127"/>
               </a:rPr>
@@ -9159,17 +8916,10 @@
                 <a:latin typeface="나눔고딕" panose="020D0604000000000000" pitchFamily="50" charset="-127"/>
                 <a:ea typeface="나눔고딕" panose="020D0604000000000000" pitchFamily="50" charset="-127"/>
               </a:rPr>
-              <a:t> Write Cell </a:t>
-            </a:r>
-            <a:r>
-              <a:rPr lang="en-US" altLang="ko-KR" sz="1400" dirty="0" smtClean="0">
-                <a:latin typeface="나눔고딕" panose="020D0604000000000000" pitchFamily="50" charset="-127"/>
-                <a:ea typeface="나눔고딕" panose="020D0604000000000000" pitchFamily="50" charset="-127"/>
-              </a:rPr>
-              <a:t>Workbook </a:t>
-            </a:r>
-            <a:r>
-              <a:rPr lang="en-US" altLang="ko-KR" sz="1400" dirty="0" err="1" smtClean="0">
+              <a:t> Write Cell Workbook </a:t>
+            </a:r>
+            <a:r>
+              <a:rPr lang="en-US" altLang="ko-KR" sz="1400" dirty="0" err="1">
                 <a:latin typeface="나눔고딕" panose="020D0604000000000000" pitchFamily="50" charset="-127"/>
                 <a:ea typeface="나눔고딕" panose="020D0604000000000000" pitchFamily="50" charset="-127"/>
               </a:rPr>
@@ -9183,35 +8933,35 @@
               <a:t>와</a:t>
             </a:r>
             <a:r>
-              <a:rPr lang="en-US" altLang="ko-KR" sz="1400" dirty="0" smtClean="0">
+              <a:rPr lang="en-US" altLang="ko-KR" sz="1400" dirty="0">
                 <a:latin typeface="나눔고딕" panose="020D0604000000000000" pitchFamily="50" charset="-127"/>
                 <a:ea typeface="나눔고딕" panose="020D0604000000000000" pitchFamily="50" charset="-127"/>
               </a:rPr>
               <a:t> Write Range Workbook Activity</a:t>
             </a:r>
             <a:r>
-              <a:rPr lang="ko-KR" altLang="en-US" sz="1400" dirty="0" smtClean="0">
+              <a:rPr lang="ko-KR" altLang="en-US" sz="1400" dirty="0">
                 <a:latin typeface="나눔고딕" panose="020D0604000000000000" pitchFamily="50" charset="-127"/>
                 <a:ea typeface="나눔고딕" panose="020D0604000000000000" pitchFamily="50" charset="-127"/>
               </a:rPr>
               <a:t>를 사용하여</a:t>
             </a:r>
             <a:r>
-              <a:rPr lang="en-US" altLang="ko-KR" sz="1400" dirty="0" smtClean="0">
+              <a:rPr lang="en-US" altLang="ko-KR" sz="1400" dirty="0">
                 <a:latin typeface="나눔고딕" panose="020D0604000000000000" pitchFamily="50" charset="-127"/>
                 <a:ea typeface="나눔고딕" panose="020D0604000000000000" pitchFamily="50" charset="-127"/>
               </a:rPr>
               <a:t> </a:t>
             </a:r>
             <a:r>
-              <a:rPr lang="ko-KR" altLang="en-US" sz="1400" dirty="0" smtClean="0">
+              <a:rPr lang="ko-KR" altLang="en-US" sz="1400" dirty="0">
                 <a:latin typeface="나눔고딕" panose="020D0604000000000000" pitchFamily="50" charset="-127"/>
                 <a:ea typeface="나눔고딕" panose="020D0604000000000000" pitchFamily="50" charset="-127"/>
               </a:rPr>
               <a:t>엑셀에 데이터를 저장합니다</a:t>
             </a:r>
             <a:r>
-              <a:rPr lang="en-US" altLang="ko-KR" sz="1400" dirty="0" smtClean="0">
+              <a:rPr lang="en-US" altLang="ko-KR" sz="1400" dirty="0">
                 <a:latin typeface="나눔고딕" panose="020D0604000000000000" pitchFamily="50" charset="-127"/>
                 <a:ea typeface="나눔고딕" panose="020D0604000000000000" pitchFamily="50" charset="-127"/>
               </a:rPr>
@@ -9259,10 +9009,10 @@
               <a:buChar char="•"/>
             </a:pPr>
             <a:r>
-              <a:rPr lang="ko-KR" altLang="en-US" dirty="0" smtClean="0">
+              <a:rPr lang="ko-KR" altLang="en-US" dirty="0">
                 <a:latin typeface="+mn-ea"/>
               </a:rPr>
-              <a:t>엑셀 취합</a:t>
+              <a:t>데이터를 엑셀에 취합</a:t>
             </a:r>
             <a:endParaRPr lang="ko-KR" altLang="en-US" dirty="0">
               <a:latin typeface="Arial" panose="020B0604020202020204" pitchFamily="34" charset="0"/>
@@ -9358,13 +9108,13 @@
               <a:buChar char="•"/>
             </a:pPr>
             <a:r>
-              <a:rPr lang="ko-KR" altLang="en-US" dirty="0" smtClean="0">
+              <a:rPr lang="ko-KR" altLang="en-US" dirty="0">
                 <a:latin typeface="+mn-ea"/>
               </a:rPr>
               <a:t>주요 </a:t>
             </a:r>
             <a:r>
-              <a:rPr lang="ko-KR" altLang="en-US" dirty="0" err="1" smtClean="0">
+              <a:rPr lang="ko-KR" altLang="en-US" dirty="0" err="1">
                 <a:latin typeface="+mn-ea"/>
               </a:rPr>
               <a:t>액티비티</a:t>
@@ -9405,7 +9155,7 @@
           <a:lstStyle/>
           <a:p>
             <a:r>
-              <a:rPr lang="en-US" altLang="ko-KR" sz="1600" dirty="0" smtClean="0">
+              <a:rPr lang="en-US" altLang="ko-KR" sz="1600" dirty="0">
                 <a:latin typeface="나눔고딕" panose="020D0604000000000000" pitchFamily="50" charset="-127"/>
                 <a:ea typeface="나눔고딕" panose="020D0604000000000000" pitchFamily="50" charset="-127"/>
               </a:rPr>
@@ -9419,7 +9169,7 @@
               </a:lnSpc>
             </a:pPr>
             <a:r>
-              <a:rPr lang="en-US" altLang="ko-KR" sz="1600" dirty="0" smtClean="0">
+              <a:rPr lang="en-US" altLang="ko-KR" sz="1600" dirty="0">
                 <a:latin typeface="나눔고딕" panose="020D0604000000000000" pitchFamily="50" charset="-127"/>
                 <a:ea typeface="나눔고딕" panose="020D0604000000000000" pitchFamily="50" charset="-127"/>
               </a:rPr>
@@ -9488,13 +9238,6 @@
   <p:clrMapOvr>
     <a:masterClrMapping/>
   </p:clrMapOvr>
-  <p:timing>
-    <p:tnLst>
-      <p:par>
-        <p:cTn id="1" dur="indefinite" restart="never" nodeType="tmRoot"/>
-      </p:par>
-    </p:tnLst>
-  </p:timing>
 </p:sld>
 </file>
 
@@ -9537,16 +9280,12 @@
           <a:lstStyle/>
           <a:p>
             <a:r>
-              <a:rPr lang="ko-KR" altLang="en-US" dirty="0" smtClean="0">
+              <a:rPr lang="ko-KR" altLang="en-US" dirty="0">
                 <a:latin typeface="휴먼엑스포" panose="02030504000101010101" pitchFamily="18" charset="-127"/>
                 <a:ea typeface="휴먼엑스포" panose="02030504000101010101" pitchFamily="18" charset="-127"/>
               </a:rPr>
               <a:t>시연</a:t>
             </a:r>
-            <a:endParaRPr lang="ko-KR" altLang="en-US" dirty="0">
-              <a:latin typeface="휴먼엑스포" panose="02030504000101010101" pitchFamily="18" charset="-127"/>
-              <a:ea typeface="휴먼엑스포" panose="02030504000101010101" pitchFamily="18" charset="-127"/>
-            </a:endParaRPr>
           </a:p>
         </p:txBody>
       </p:sp>
@@ -9744,7 +9483,7 @@
               <a:buNone/>
             </a:pPr>
             <a:r>
-              <a:rPr lang="ko-KR" altLang="en-US" sz="2400" dirty="0" smtClean="0">
+              <a:rPr lang="ko-KR" altLang="en-US" sz="2400" dirty="0">
                 <a:latin typeface="나눔고딕" panose="020D0604000000000000" pitchFamily="50" charset="-127"/>
                 <a:ea typeface="나눔고딕" panose="020D0604000000000000" pitchFamily="50" charset="-127"/>
               </a:rPr>
@@ -9812,13 +9551,6 @@
   <p:clrMapOvr>
     <a:masterClrMapping/>
   </p:clrMapOvr>
-  <p:timing>
-    <p:tnLst>
-      <p:par>
-        <p:cTn id="1" dur="indefinite" restart="never" nodeType="tmRoot"/>
-      </p:par>
-    </p:tnLst>
-  </p:timing>
 </p:sld>
 </file>
 
@@ -9954,13 +9686,6 @@
   <p:clrMapOvr>
     <a:masterClrMapping/>
   </p:clrMapOvr>
-  <p:timing>
-    <p:tnLst>
-      <p:par>
-        <p:cTn id="1" dur="indefinite" restart="never" nodeType="tmRoot"/>
-      </p:par>
-    </p:tnLst>
-  </p:timing>
 </p:sld>
 </file>
 

--- a/sict/day10/발표용.pptx
+++ b/sict/day10/발표용.pptx
@@ -1315,7 +1315,35 @@
               <a:t>바로 실행해보도록 하겠습니다</a:t>
             </a:r>
             <a:r>
-              <a:rPr lang="en-US" altLang="ko-KR"/>
+              <a:rPr lang="en-US" altLang="ko-KR" dirty="0"/>
+              <a:t>.</a:t>
+            </a:r>
+          </a:p>
+          <a:p>
+            <a:pPr marL="171450" indent="-171450">
+              <a:buFontTx/>
+              <a:buChar char="-"/>
+            </a:pPr>
+            <a:r>
+              <a:rPr lang="ko-KR" altLang="en-US" dirty="0"/>
+              <a:t>실행 완료 후 </a:t>
+            </a:r>
+            <a:r>
+              <a:rPr lang="en-US" altLang="ko-KR" dirty="0"/>
+              <a:t>–</a:t>
+            </a:r>
+          </a:p>
+          <a:p>
+            <a:pPr marL="0" indent="0">
+              <a:buFontTx/>
+              <a:buNone/>
+            </a:pPr>
+            <a:r>
+              <a:rPr lang="ko-KR" altLang="en-US" dirty="0"/>
+              <a:t>엑셀 파일을 보시면 자격증 별로 시험 일정이 정리되어 있습니다</a:t>
+            </a:r>
+            <a:r>
+              <a:rPr lang="en-US" altLang="ko-KR" dirty="0"/>
               <a:t>.</a:t>
             </a:r>
             <a:endParaRPr lang="ko-KR" altLang="en-US" dirty="0"/>
@@ -1404,7 +1432,7 @@
           <a:p>
             <a:r>
               <a:rPr lang="ko-KR" altLang="en-US" dirty="0"/>
-              <a:t>이것으로 제 발표를 마치겠습니다</a:t>
+              <a:t>이상으로 제 발표를 마치도록 하겠습니다</a:t>
             </a:r>
             <a:r>
               <a:rPr lang="en-US" altLang="ko-KR" dirty="0"/>
@@ -8877,7 +8905,7 @@
         <p:spPr>
           <a:xfrm>
             <a:off x="747672" y="1857455"/>
-            <a:ext cx="4351102" cy="1384995"/>
+            <a:ext cx="4351102" cy="1024127"/>
           </a:xfrm>
           <a:prstGeom prst="rect">
             <a:avLst/>
@@ -8898,18 +8926,11 @@
               <a:buAutoNum type="arabicPeriod"/>
             </a:pPr>
             <a:r>
-              <a:rPr lang="en-US" altLang="ko-KR" sz="1400" dirty="0">
-                <a:latin typeface="나눔고딕" panose="020D0604000000000000" pitchFamily="50" charset="-127"/>
-                <a:ea typeface="나눔고딕" panose="020D0604000000000000" pitchFamily="50" charset="-127"/>
-              </a:rPr>
-              <a:t>For Each Row in Data Table Activity </a:t>
-            </a:r>
-            <a:r>
               <a:rPr lang="ko-KR" altLang="en-US" sz="1400" dirty="0">
                 <a:latin typeface="나눔고딕" panose="020D0604000000000000" pitchFamily="50" charset="-127"/>
                 <a:ea typeface="나눔고딕" panose="020D0604000000000000" pitchFamily="50" charset="-127"/>
               </a:rPr>
-              <a:t>를 통해 구한 기사 자격증 정보를 </a:t>
+              <a:t>아까 구한 기사 자격증 정보를 </a:t>
             </a:r>
             <a:r>
               <a:rPr lang="en-US" altLang="ko-KR" sz="1400" dirty="0">
@@ -9587,7 +9608,7 @@
         </p:nvSpPr>
         <p:spPr>
           <a:xfrm>
-            <a:off x="560832" y="3118105"/>
+            <a:off x="908304" y="3118105"/>
             <a:ext cx="10375392" cy="1470025"/>
           </a:xfrm>
           <a:prstGeom prst="rect">
